--- a/Team_Insert_Name_Here_Presentation.pptx
+++ b/Team_Insert_Name_Here_Presentation.pptx
@@ -5,7 +5,7 @@
     <p:sldMasterId id="2147483659" r:id="rId1"/>
   </p:sldMasterIdLst>
   <p:notesMasterIdLst>
-    <p:notesMasterId r:id="rId20"/>
+    <p:notesMasterId r:id="rId21"/>
   </p:notesMasterIdLst>
   <p:sldIdLst>
     <p:sldId id="256" r:id="rId2"/>
@@ -15,17 +15,18 @@
     <p:sldId id="260" r:id="rId6"/>
     <p:sldId id="261" r:id="rId7"/>
     <p:sldId id="262" r:id="rId8"/>
-    <p:sldId id="263" r:id="rId9"/>
-    <p:sldId id="264" r:id="rId10"/>
-    <p:sldId id="272" r:id="rId11"/>
-    <p:sldId id="265" r:id="rId12"/>
-    <p:sldId id="273" r:id="rId13"/>
-    <p:sldId id="266" r:id="rId14"/>
-    <p:sldId id="267" r:id="rId15"/>
-    <p:sldId id="268" r:id="rId16"/>
-    <p:sldId id="269" r:id="rId17"/>
-    <p:sldId id="270" r:id="rId18"/>
-    <p:sldId id="271" r:id="rId19"/>
+    <p:sldId id="274" r:id="rId9"/>
+    <p:sldId id="263" r:id="rId10"/>
+    <p:sldId id="264" r:id="rId11"/>
+    <p:sldId id="272" r:id="rId12"/>
+    <p:sldId id="265" r:id="rId13"/>
+    <p:sldId id="273" r:id="rId14"/>
+    <p:sldId id="266" r:id="rId15"/>
+    <p:sldId id="267" r:id="rId16"/>
+    <p:sldId id="268" r:id="rId17"/>
+    <p:sldId id="269" r:id="rId18"/>
+    <p:sldId id="270" r:id="rId19"/>
+    <p:sldId id="271" r:id="rId20"/>
   </p:sldIdLst>
   <p:sldSz cx="9144000" cy="5143500" type="screen16x9"/>
   <p:notesSz cx="6858000" cy="9144000"/>
@@ -645,7 +646,7 @@
         </p:nvSpPr>
         <p:spPr>
           <a:xfrm>
-            <a:off x="381300" y="685800"/>
+            <a:off x="381000" y="685800"/>
             <a:ext cx="6096000" cy="3429000"/>
           </a:xfrm>
           <a:custGeom>
@@ -6367,2449 +6368,6 @@
   <p:cSld>
     <p:spTree>
       <p:nvGrpSpPr>
-        <p:cNvPr id="1" name=""/>
-        <p:cNvGrpSpPr/>
-        <p:nvPr/>
-      </p:nvGrpSpPr>
-      <p:grpSpPr>
-        <a:xfrm>
-          <a:off x="0" y="0"/>
-          <a:ext cx="0" cy="0"/>
-          <a:chOff x="0" y="0"/>
-          <a:chExt cx="0" cy="0"/>
-        </a:xfrm>
-      </p:grpSpPr>
-      <p:sp>
-        <p:nvSpPr>
-          <p:cNvPr id="2" name="Title 1"/>
-          <p:cNvSpPr>
-            <a:spLocks noGrp="1"/>
-          </p:cNvSpPr>
-          <p:nvPr>
-            <p:ph type="title"/>
-          </p:nvPr>
-        </p:nvSpPr>
-        <p:spPr/>
-        <p:txBody>
-          <a:bodyPr/>
-          <a:lstStyle/>
-          <a:p>
-            <a:endParaRPr lang="en-US"/>
-          </a:p>
-        </p:txBody>
-      </p:sp>
-      <p:sp>
-        <p:nvSpPr>
-          <p:cNvPr id="3" name="Text Placeholder 2"/>
-          <p:cNvSpPr>
-            <a:spLocks noGrp="1"/>
-          </p:cNvSpPr>
-          <p:nvPr>
-            <p:ph type="body" idx="1"/>
-          </p:nvPr>
-        </p:nvSpPr>
-        <p:spPr/>
-        <p:txBody>
-          <a:bodyPr/>
-          <a:lstStyle/>
-          <a:p>
-            <a:endParaRPr lang="en-US"/>
-          </a:p>
-        </p:txBody>
-      </p:sp>
-      <p:pic>
-        <p:nvPicPr>
-          <p:cNvPr id="5" name="Picture 4" descr="Cohort Class copy.jpg"/>
-          <p:cNvPicPr>
-            <a:picLocks noChangeAspect="1"/>
-          </p:cNvPicPr>
-          <p:nvPr/>
-        </p:nvPicPr>
-        <p:blipFill>
-          <a:blip r:embed="rId2">
-            <a:extLst>
-              <a:ext uri="{28A0092B-C50C-407E-A947-70E740481C1C}">
-                <a14:useLocalDpi xmlns:a14="http://schemas.microsoft.com/office/drawing/2010/main" val="0"/>
-              </a:ext>
-            </a:extLst>
-          </a:blip>
-          <a:stretch>
-            <a:fillRect/>
-          </a:stretch>
-        </p:blipFill>
-        <p:spPr>
-          <a:xfrm>
-            <a:off x="1333500" y="0"/>
-            <a:ext cx="6455535" cy="5143500"/>
-          </a:xfrm>
-          <a:prstGeom prst="rect">
-            <a:avLst/>
-          </a:prstGeom>
-        </p:spPr>
-      </p:pic>
-    </p:spTree>
-    <p:extLst>
-      <p:ext uri="{BB962C8B-B14F-4D97-AF65-F5344CB8AC3E}">
-        <p14:creationId xmlns:p14="http://schemas.microsoft.com/office/powerpoint/2010/main" val="2525441529"/>
-      </p:ext>
-    </p:extLst>
-  </p:cSld>
-  <p:clrMapOvr>
-    <a:masterClrMapping/>
-  </p:clrMapOvr>
-  <p:timing>
-    <p:tnLst>
-      <p:par>
-        <p:cTn xmlns:p14="http://schemas.microsoft.com/office/powerpoint/2010/main" id="1" dur="indefinite" restart="never" nodeType="tmRoot"/>
-      </p:par>
-    </p:tnLst>
-  </p:timing>
-</p:sld>
-</file>
-
-<file path=ppt/slides/slide11.xml><?xml version="1.0" encoding="utf-8"?>
-<p:sld xmlns:a="http://schemas.openxmlformats.org/drawingml/2006/main" xmlns:r="http://schemas.openxmlformats.org/officeDocument/2006/relationships" xmlns:p="http://schemas.openxmlformats.org/presentationml/2006/main">
-  <p:cSld>
-    <p:spTree>
-      <p:nvGrpSpPr>
-        <p:cNvPr id="1" name="Shape 116"/>
-        <p:cNvGrpSpPr/>
-        <p:nvPr/>
-      </p:nvGrpSpPr>
-      <p:grpSpPr>
-        <a:xfrm>
-          <a:off x="0" y="0"/>
-          <a:ext cx="0" cy="0"/>
-          <a:chOff x="0" y="0"/>
-          <a:chExt cx="0" cy="0"/>
-        </a:xfrm>
-      </p:grpSpPr>
-      <p:sp>
-        <p:nvSpPr>
-          <p:cNvPr id="117" name="Shape 117"/>
-          <p:cNvSpPr txBox="1">
-            <a:spLocks noGrp="1"/>
-          </p:cNvSpPr>
-          <p:nvPr>
-            <p:ph type="title"/>
-          </p:nvPr>
-        </p:nvSpPr>
-        <p:spPr>
-          <a:xfrm>
-            <a:off x="387900" y="458025"/>
-            <a:ext cx="8368200" cy="686099"/>
-          </a:xfrm>
-          <a:prstGeom prst="rect">
-            <a:avLst/>
-          </a:prstGeom>
-        </p:spPr>
-        <p:txBody>
-          <a:bodyPr lIns="91425" tIns="91425" rIns="91425" bIns="91425" anchor="b" anchorCtr="0">
-            <a:noAutofit/>
-          </a:bodyPr>
-          <a:lstStyle/>
-          <a:p>
-            <a:pPr>
-              <a:spcBef>
-                <a:spcPts val="0"/>
-              </a:spcBef>
-              <a:buNone/>
-            </a:pPr>
-            <a:r>
-              <a:rPr lang="en"/>
-              <a:t>Our Test Cases</a:t>
-            </a:r>
-          </a:p>
-        </p:txBody>
-      </p:sp>
-      <p:sp>
-        <p:nvSpPr>
-          <p:cNvPr id="118" name="Shape 118"/>
-          <p:cNvSpPr txBox="1">
-            <a:spLocks noGrp="1"/>
-          </p:cNvSpPr>
-          <p:nvPr>
-            <p:ph type="body" idx="1"/>
-          </p:nvPr>
-        </p:nvSpPr>
-        <p:spPr>
-          <a:xfrm>
-            <a:off x="387900" y="1489824"/>
-            <a:ext cx="8368200" cy="3078899"/>
-          </a:xfrm>
-          <a:prstGeom prst="rect">
-            <a:avLst/>
-          </a:prstGeom>
-          <a:ln w="9525" cap="flat" cmpd="sng">
-            <a:solidFill>
-              <a:srgbClr val="FFFBF2"/>
-            </a:solidFill>
-            <a:prstDash val="solid"/>
-            <a:round/>
-            <a:headEnd type="none" w="med" len="med"/>
-            <a:tailEnd type="none" w="med" len="med"/>
-          </a:ln>
-        </p:spPr>
-        <p:txBody>
-          <a:bodyPr lIns="91425" tIns="91425" rIns="91425" bIns="91425" anchor="t" anchorCtr="0">
-            <a:noAutofit/>
-          </a:bodyPr>
-          <a:lstStyle/>
-          <a:p>
-            <a:pPr lvl="0" indent="457200" rtl="0">
-              <a:lnSpc>
-                <a:spcPct val="136500"/>
-              </a:lnSpc>
-              <a:spcBef>
-                <a:spcPts val="0"/>
-              </a:spcBef>
-              <a:spcAft>
-                <a:spcPts val="0"/>
-              </a:spcAft>
-              <a:buNone/>
-            </a:pPr>
-            <a:r>
-              <a:rPr lang="en">
-                <a:solidFill>
-                  <a:srgbClr val="FFFBF2"/>
-                </a:solidFill>
-              </a:rPr>
-              <a:t>Test ID:			1</a:t>
-            </a:r>
-          </a:p>
-          <a:p>
-            <a:pPr lvl="0" indent="457200" rtl="0">
-              <a:lnSpc>
-                <a:spcPct val="136500"/>
-              </a:lnSpc>
-              <a:spcBef>
-                <a:spcPts val="0"/>
-              </a:spcBef>
-              <a:spcAft>
-                <a:spcPts val="0"/>
-              </a:spcAft>
-              <a:buNone/>
-            </a:pPr>
-            <a:r>
-              <a:rPr lang="en">
-                <a:solidFill>
-                  <a:srgbClr val="FFFBF2"/>
-                </a:solidFill>
-              </a:rPr>
-              <a:t>Requirement:	The union of two Cohorts has no repeated values</a:t>
-            </a:r>
-          </a:p>
-          <a:p>
-            <a:pPr lvl="0" indent="457200" rtl="0">
-              <a:lnSpc>
-                <a:spcPct val="136500"/>
-              </a:lnSpc>
-              <a:spcBef>
-                <a:spcPts val="0"/>
-              </a:spcBef>
-              <a:spcAft>
-                <a:spcPts val="0"/>
-              </a:spcAft>
-              <a:buNone/>
-            </a:pPr>
-            <a:r>
-              <a:rPr lang="en">
-                <a:solidFill>
-                  <a:srgbClr val="FFFBF2"/>
-                </a:solidFill>
-              </a:rPr>
-              <a:t>Component:		Cohort</a:t>
-            </a:r>
-          </a:p>
-          <a:p>
-            <a:pPr lvl="0" indent="457200" rtl="0">
-              <a:lnSpc>
-                <a:spcPct val="136500"/>
-              </a:lnSpc>
-              <a:spcBef>
-                <a:spcPts val="0"/>
-              </a:spcBef>
-              <a:spcAft>
-                <a:spcPts val="0"/>
-              </a:spcAft>
-              <a:buNone/>
-            </a:pPr>
-            <a:r>
-              <a:rPr lang="en">
-                <a:solidFill>
-                  <a:srgbClr val="FFFBF2"/>
-                </a:solidFill>
-              </a:rPr>
-              <a:t>Method:			public static Cohort union(Cohort a, Cohort b)</a:t>
-            </a:r>
-          </a:p>
-          <a:p>
-            <a:pPr lvl="0" indent="457200" rtl="0">
-              <a:lnSpc>
-                <a:spcPct val="136500"/>
-              </a:lnSpc>
-              <a:spcBef>
-                <a:spcPts val="0"/>
-              </a:spcBef>
-              <a:spcAft>
-                <a:spcPts val="0"/>
-              </a:spcAft>
-              <a:buNone/>
-            </a:pPr>
-            <a:r>
-              <a:rPr lang="en">
-                <a:solidFill>
-                  <a:srgbClr val="FFFBF2"/>
-                </a:solidFill>
-              </a:rPr>
-              <a:t>Inputs:       		[1,2,3,4,5] [3,4,5]</a:t>
-            </a:r>
-          </a:p>
-          <a:p>
-            <a:pPr lvl="0" indent="457200" rtl="0">
-              <a:lnSpc>
-                <a:spcPct val="136500"/>
-              </a:lnSpc>
-              <a:spcBef>
-                <a:spcPts val="0"/>
-              </a:spcBef>
-              <a:spcAft>
-                <a:spcPts val="0"/>
-              </a:spcAft>
-              <a:buNone/>
-            </a:pPr>
-            <a:r>
-              <a:rPr lang="en">
-                <a:solidFill>
-                  <a:srgbClr val="FFFBF2"/>
-                </a:solidFill>
-              </a:rPr>
-              <a:t>Expected:		[1,2,3,4,5]</a:t>
-            </a:r>
-          </a:p>
-          <a:p>
-            <a:pPr lvl="0" indent="457200" rtl="0">
-              <a:lnSpc>
-                <a:spcPct val="136500"/>
-              </a:lnSpc>
-              <a:spcBef>
-                <a:spcPts val="0"/>
-              </a:spcBef>
-              <a:spcAft>
-                <a:spcPts val="0"/>
-              </a:spcAft>
-              <a:buNone/>
-            </a:pPr>
-            <a:r>
-              <a:rPr lang="en">
-                <a:solidFill>
-                  <a:srgbClr val="FFFBF2"/>
-                </a:solidFill>
-              </a:rPr>
-              <a:t>Driver:			CohortUnionDriver</a:t>
-            </a:r>
-          </a:p>
-          <a:p>
-            <a:pPr lvl="0" indent="457200" rtl="0">
-              <a:lnSpc>
-                <a:spcPct val="136500"/>
-              </a:lnSpc>
-              <a:spcBef>
-                <a:spcPts val="0"/>
-              </a:spcBef>
-              <a:spcAft>
-                <a:spcPts val="0"/>
-              </a:spcAft>
-              <a:buNone/>
-            </a:pPr>
-            <a:r>
-              <a:rPr lang="en">
-                <a:solidFill>
-                  <a:srgbClr val="FFFBF2"/>
-                </a:solidFill>
-              </a:rPr>
-              <a:t>Notes:</a:t>
-            </a:r>
-          </a:p>
-          <a:p>
-            <a:pPr lvl="0" rtl="0">
-              <a:lnSpc>
-                <a:spcPct val="136500"/>
-              </a:lnSpc>
-              <a:spcBef>
-                <a:spcPts val="0"/>
-              </a:spcBef>
-              <a:spcAft>
-                <a:spcPts val="0"/>
-              </a:spcAft>
-              <a:buClr>
-                <a:schemeClr val="dk1"/>
-              </a:buClr>
-              <a:buFont typeface="Arial"/>
-              <a:buNone/>
-            </a:pPr>
-            <a:endParaRPr sz="1400">
-              <a:solidFill>
-                <a:srgbClr val="333333"/>
-              </a:solidFill>
-            </a:endParaRPr>
-          </a:p>
-          <a:p>
-            <a:pPr>
-              <a:spcBef>
-                <a:spcPts val="0"/>
-              </a:spcBef>
-              <a:buNone/>
-            </a:pPr>
-            <a:endParaRPr/>
-          </a:p>
-        </p:txBody>
-      </p:sp>
-    </p:spTree>
-  </p:cSld>
-  <p:clrMapOvr>
-    <a:masterClrMapping/>
-  </p:clrMapOvr>
-  <p:transition xmlns:p14="http://schemas.microsoft.com/office/powerpoint/2010/main" spd="slow">
-    <p:cut/>
-  </p:transition>
-  <p:timing>
-    <p:tnLst>
-      <p:par>
-        <p:cTn xmlns:p14="http://schemas.microsoft.com/office/powerpoint/2010/main" id="1" dur="indefinite" restart="never" nodeType="tmRoot"/>
-      </p:par>
-    </p:tnLst>
-  </p:timing>
-</p:sld>
-</file>
-
-<file path=ppt/slides/slide12.xml><?xml version="1.0" encoding="utf-8"?>
-<p:sld xmlns:a="http://schemas.openxmlformats.org/drawingml/2006/main" xmlns:r="http://schemas.openxmlformats.org/officeDocument/2006/relationships" xmlns:p="http://schemas.openxmlformats.org/presentationml/2006/main">
-  <p:cSld>
-    <p:spTree>
-      <p:nvGrpSpPr>
-        <p:cNvPr id="1" name=""/>
-        <p:cNvGrpSpPr/>
-        <p:nvPr/>
-      </p:nvGrpSpPr>
-      <p:grpSpPr>
-        <a:xfrm>
-          <a:off x="0" y="0"/>
-          <a:ext cx="0" cy="0"/>
-          <a:chOff x="0" y="0"/>
-          <a:chExt cx="0" cy="0"/>
-        </a:xfrm>
-      </p:grpSpPr>
-      <p:sp>
-        <p:nvSpPr>
-          <p:cNvPr id="2" name="Title 1"/>
-          <p:cNvSpPr>
-            <a:spLocks noGrp="1"/>
-          </p:cNvSpPr>
-          <p:nvPr>
-            <p:ph type="title"/>
-          </p:nvPr>
-        </p:nvSpPr>
-        <p:spPr/>
-        <p:txBody>
-          <a:bodyPr/>
-          <a:lstStyle/>
-          <a:p>
-            <a:endParaRPr lang="en-US"/>
-          </a:p>
-        </p:txBody>
-      </p:sp>
-      <p:sp>
-        <p:nvSpPr>
-          <p:cNvPr id="3" name="Text Placeholder 2"/>
-          <p:cNvSpPr>
-            <a:spLocks noGrp="1"/>
-          </p:cNvSpPr>
-          <p:nvPr>
-            <p:ph type="body" idx="1"/>
-          </p:nvPr>
-        </p:nvSpPr>
-        <p:spPr/>
-        <p:txBody>
-          <a:bodyPr/>
-          <a:lstStyle/>
-          <a:p>
-            <a:endParaRPr lang="en-US"/>
-          </a:p>
-        </p:txBody>
-      </p:sp>
-      <p:pic>
-        <p:nvPicPr>
-          <p:cNvPr id="4" name="Picture 3" descr="CUD copy.jpg"/>
-          <p:cNvPicPr>
-            <a:picLocks noChangeAspect="1"/>
-          </p:cNvPicPr>
-          <p:nvPr/>
-        </p:nvPicPr>
-        <p:blipFill>
-          <a:blip r:embed="rId2">
-            <a:extLst>
-              <a:ext uri="{28A0092B-C50C-407E-A947-70E740481C1C}">
-                <a14:useLocalDpi xmlns:a14="http://schemas.microsoft.com/office/drawing/2010/main" val="0"/>
-              </a:ext>
-            </a:extLst>
-          </a:blip>
-          <a:stretch>
-            <a:fillRect/>
-          </a:stretch>
-        </p:blipFill>
-        <p:spPr>
-          <a:xfrm>
-            <a:off x="622300" y="0"/>
-            <a:ext cx="7884021" cy="5143500"/>
-          </a:xfrm>
-          <a:prstGeom prst="rect">
-            <a:avLst/>
-          </a:prstGeom>
-        </p:spPr>
-      </p:pic>
-    </p:spTree>
-    <p:extLst>
-      <p:ext uri="{BB962C8B-B14F-4D97-AF65-F5344CB8AC3E}">
-        <p14:creationId xmlns:p14="http://schemas.microsoft.com/office/powerpoint/2010/main" val="4197507065"/>
-      </p:ext>
-    </p:extLst>
-  </p:cSld>
-  <p:clrMapOvr>
-    <a:masterClrMapping/>
-  </p:clrMapOvr>
-</p:sld>
-</file>
-
-<file path=ppt/slides/slide13.xml><?xml version="1.0" encoding="utf-8"?>
-<p:sld xmlns:a="http://schemas.openxmlformats.org/drawingml/2006/main" xmlns:r="http://schemas.openxmlformats.org/officeDocument/2006/relationships" xmlns:p="http://schemas.openxmlformats.org/presentationml/2006/main">
-  <p:cSld>
-    <p:spTree>
-      <p:nvGrpSpPr>
-        <p:cNvPr id="1" name="Shape 122"/>
-        <p:cNvGrpSpPr/>
-        <p:nvPr/>
-      </p:nvGrpSpPr>
-      <p:grpSpPr>
-        <a:xfrm>
-          <a:off x="0" y="0"/>
-          <a:ext cx="0" cy="0"/>
-          <a:chOff x="0" y="0"/>
-          <a:chExt cx="0" cy="0"/>
-        </a:xfrm>
-      </p:grpSpPr>
-      <p:sp>
-        <p:nvSpPr>
-          <p:cNvPr id="123" name="Shape 123"/>
-          <p:cNvSpPr txBox="1">
-            <a:spLocks noGrp="1"/>
-          </p:cNvSpPr>
-          <p:nvPr>
-            <p:ph type="title"/>
-          </p:nvPr>
-        </p:nvSpPr>
-        <p:spPr>
-          <a:xfrm>
-            <a:off x="387900" y="458025"/>
-            <a:ext cx="8368200" cy="686099"/>
-          </a:xfrm>
-          <a:prstGeom prst="rect">
-            <a:avLst/>
-          </a:prstGeom>
-        </p:spPr>
-        <p:txBody>
-          <a:bodyPr lIns="91425" tIns="91425" rIns="91425" bIns="91425" anchor="b" anchorCtr="0">
-            <a:noAutofit/>
-          </a:bodyPr>
-          <a:lstStyle/>
-          <a:p>
-            <a:pPr>
-              <a:spcBef>
-                <a:spcPts val="0"/>
-              </a:spcBef>
-              <a:buNone/>
-            </a:pPr>
-            <a:r>
-              <a:rPr lang="en"/>
-              <a:t>Results</a:t>
-            </a:r>
-          </a:p>
-        </p:txBody>
-      </p:sp>
-      <p:sp>
-        <p:nvSpPr>
-          <p:cNvPr id="124" name="Shape 124"/>
-          <p:cNvSpPr txBox="1">
-            <a:spLocks noGrp="1"/>
-          </p:cNvSpPr>
-          <p:nvPr>
-            <p:ph type="body" idx="1"/>
-          </p:nvPr>
-        </p:nvSpPr>
-        <p:spPr>
-          <a:xfrm>
-            <a:off x="387900" y="1489824"/>
-            <a:ext cx="8368200" cy="3078899"/>
-          </a:xfrm>
-          <a:prstGeom prst="rect">
-            <a:avLst/>
-          </a:prstGeom>
-        </p:spPr>
-        <p:txBody>
-          <a:bodyPr lIns="91425" tIns="91425" rIns="91425" bIns="91425" anchor="t" anchorCtr="0">
-            <a:noAutofit/>
-          </a:bodyPr>
-          <a:lstStyle/>
-          <a:p>
-            <a:pPr>
-              <a:spcBef>
-                <a:spcPts val="0"/>
-              </a:spcBef>
-              <a:buNone/>
-            </a:pPr>
-            <a:endParaRPr/>
-          </a:p>
-        </p:txBody>
-      </p:sp>
-      <p:pic>
-        <p:nvPicPr>
-          <p:cNvPr id="125" name="Shape 125"/>
-          <p:cNvPicPr preferRelativeResize="0"/>
-          <p:nvPr/>
-        </p:nvPicPr>
-        <p:blipFill>
-          <a:blip r:embed="rId3">
-            <a:alphaModFix/>
-          </a:blip>
-          <a:stretch>
-            <a:fillRect/>
-          </a:stretch>
-        </p:blipFill>
-        <p:spPr>
-          <a:xfrm>
-            <a:off x="0" y="0"/>
-            <a:ext cx="9144000" cy="5235750"/>
-          </a:xfrm>
-          <a:prstGeom prst="rect">
-            <a:avLst/>
-          </a:prstGeom>
-          <a:noFill/>
-          <a:ln>
-            <a:noFill/>
-          </a:ln>
-        </p:spPr>
-      </p:pic>
-    </p:spTree>
-  </p:cSld>
-  <p:clrMapOvr>
-    <a:masterClrMapping/>
-  </p:clrMapOvr>
-  <p:transition xmlns:p14="http://schemas.microsoft.com/office/powerpoint/2010/main" spd="slow">
-    <p:cut/>
-  </p:transition>
-</p:sld>
-</file>
-
-<file path=ppt/slides/slide14.xml><?xml version="1.0" encoding="utf-8"?>
-<p:sld xmlns:a="http://schemas.openxmlformats.org/drawingml/2006/main" xmlns:r="http://schemas.openxmlformats.org/officeDocument/2006/relationships" xmlns:p="http://schemas.openxmlformats.org/presentationml/2006/main">
-  <p:cSld>
-    <p:spTree>
-      <p:nvGrpSpPr>
-        <p:cNvPr id="1" name="Shape 129"/>
-        <p:cNvGrpSpPr/>
-        <p:nvPr/>
-      </p:nvGrpSpPr>
-      <p:grpSpPr>
-        <a:xfrm>
-          <a:off x="0" y="0"/>
-          <a:ext cx="0" cy="0"/>
-          <a:chOff x="0" y="0"/>
-          <a:chExt cx="0" cy="0"/>
-        </a:xfrm>
-      </p:grpSpPr>
-      <p:sp>
-        <p:nvSpPr>
-          <p:cNvPr id="130" name="Shape 130"/>
-          <p:cNvSpPr txBox="1">
-            <a:spLocks noGrp="1"/>
-          </p:cNvSpPr>
-          <p:nvPr>
-            <p:ph type="title"/>
-          </p:nvPr>
-        </p:nvSpPr>
-        <p:spPr>
-          <a:xfrm>
-            <a:off x="387900" y="458025"/>
-            <a:ext cx="8368200" cy="686099"/>
-          </a:xfrm>
-          <a:prstGeom prst="rect">
-            <a:avLst/>
-          </a:prstGeom>
-        </p:spPr>
-        <p:txBody>
-          <a:bodyPr lIns="91425" tIns="91425" rIns="91425" bIns="91425" anchor="b" anchorCtr="0">
-            <a:noAutofit/>
-          </a:bodyPr>
-          <a:lstStyle/>
-          <a:p>
-            <a:pPr>
-              <a:spcBef>
-                <a:spcPts val="0"/>
-              </a:spcBef>
-              <a:buNone/>
-            </a:pPr>
-            <a:r>
-              <a:rPr lang="en"/>
-              <a:t>Faults</a:t>
-            </a:r>
-          </a:p>
-        </p:txBody>
-      </p:sp>
-      <p:sp>
-        <p:nvSpPr>
-          <p:cNvPr id="131" name="Shape 131"/>
-          <p:cNvSpPr txBox="1">
-            <a:spLocks noGrp="1"/>
-          </p:cNvSpPr>
-          <p:nvPr>
-            <p:ph type="body" idx="1"/>
-          </p:nvPr>
-        </p:nvSpPr>
-        <p:spPr>
-          <a:xfrm>
-            <a:off x="387900" y="1489824"/>
-            <a:ext cx="8368200" cy="3078899"/>
-          </a:xfrm>
-          <a:prstGeom prst="rect">
-            <a:avLst/>
-          </a:prstGeom>
-        </p:spPr>
-        <p:txBody>
-          <a:bodyPr lIns="91425" tIns="91425" rIns="91425" bIns="91425" anchor="t" anchorCtr="0">
-            <a:noAutofit/>
-          </a:bodyPr>
-          <a:lstStyle/>
-          <a:p>
-            <a:pPr rtl="0">
-              <a:spcBef>
-                <a:spcPts val="0"/>
-              </a:spcBef>
-              <a:buNone/>
-            </a:pPr>
-            <a:r>
-              <a:rPr lang="en"/>
-              <a:t>To test our testing framework, the following errors were inserted into the source code:</a:t>
-            </a:r>
-          </a:p>
-          <a:p>
-            <a:pPr rtl="0">
-              <a:spcBef>
-                <a:spcPts val="0"/>
-              </a:spcBef>
-              <a:buNone/>
-            </a:pPr>
-            <a:r>
-              <a:rPr lang="en"/>
-              <a:t>In the </a:t>
-            </a:r>
-            <a:r>
-              <a:rPr lang="en" i="1"/>
-              <a:t>union</a:t>
-            </a:r>
-            <a:r>
-              <a:rPr lang="en"/>
-              <a:t> method, just before the return statement, we added the line:</a:t>
-            </a:r>
-          </a:p>
-          <a:p>
-            <a:pPr rtl="0">
-              <a:spcBef>
-                <a:spcPts val="0"/>
-              </a:spcBef>
-              <a:buNone/>
-            </a:pPr>
-            <a:r>
-              <a:rPr lang="en"/>
-              <a:t>	</a:t>
-            </a:r>
-            <a:r>
-              <a:rPr lang="en" i="1"/>
-              <a:t>ret.getMemberIds().add(5);</a:t>
-            </a:r>
-          </a:p>
-          <a:p>
-            <a:pPr>
-              <a:spcBef>
-                <a:spcPts val="0"/>
-              </a:spcBef>
-              <a:buNone/>
-            </a:pPr>
-            <a:r>
-              <a:rPr lang="en"/>
-              <a:t>This would add the number 5 to the returned cohort, and thus, any result that was not supposed to contain a 5, would fail.  Thus, test case 3 failed.</a:t>
-            </a:r>
-          </a:p>
-        </p:txBody>
-      </p:sp>
-    </p:spTree>
-  </p:cSld>
-  <p:clrMapOvr>
-    <a:masterClrMapping/>
-  </p:clrMapOvr>
-  <p:transition xmlns:p14="http://schemas.microsoft.com/office/powerpoint/2010/main" spd="slow">
-    <p:cut/>
-  </p:transition>
-</p:sld>
-</file>
-
-<file path=ppt/slides/slide15.xml><?xml version="1.0" encoding="utf-8"?>
-<p:sld xmlns:a="http://schemas.openxmlformats.org/drawingml/2006/main" xmlns:r="http://schemas.openxmlformats.org/officeDocument/2006/relationships" xmlns:p="http://schemas.openxmlformats.org/presentationml/2006/main">
-  <p:cSld>
-    <p:spTree>
-      <p:nvGrpSpPr>
-        <p:cNvPr id="1" name="Shape 135"/>
-        <p:cNvGrpSpPr/>
-        <p:nvPr/>
-      </p:nvGrpSpPr>
-      <p:grpSpPr>
-        <a:xfrm>
-          <a:off x="0" y="0"/>
-          <a:ext cx="0" cy="0"/>
-          <a:chOff x="0" y="0"/>
-          <a:chExt cx="0" cy="0"/>
-        </a:xfrm>
-      </p:grpSpPr>
-      <p:sp>
-        <p:nvSpPr>
-          <p:cNvPr id="136" name="Shape 136"/>
-          <p:cNvSpPr txBox="1">
-            <a:spLocks noGrp="1"/>
-          </p:cNvSpPr>
-          <p:nvPr>
-            <p:ph type="title"/>
-          </p:nvPr>
-        </p:nvSpPr>
-        <p:spPr>
-          <a:xfrm>
-            <a:off x="387900" y="458025"/>
-            <a:ext cx="8368200" cy="686099"/>
-          </a:xfrm>
-          <a:prstGeom prst="rect">
-            <a:avLst/>
-          </a:prstGeom>
-        </p:spPr>
-        <p:txBody>
-          <a:bodyPr lIns="91425" tIns="91425" rIns="91425" bIns="91425" anchor="b" anchorCtr="0">
-            <a:noAutofit/>
-          </a:bodyPr>
-          <a:lstStyle/>
-          <a:p>
-            <a:pPr>
-              <a:spcBef>
-                <a:spcPts val="0"/>
-              </a:spcBef>
-              <a:buNone/>
-            </a:pPr>
-            <a:r>
-              <a:rPr lang="en"/>
-              <a:t>Faults, Part 2</a:t>
-            </a:r>
-          </a:p>
-        </p:txBody>
-      </p:sp>
-      <p:sp>
-        <p:nvSpPr>
-          <p:cNvPr id="137" name="Shape 137"/>
-          <p:cNvSpPr txBox="1">
-            <a:spLocks noGrp="1"/>
-          </p:cNvSpPr>
-          <p:nvPr>
-            <p:ph type="body" idx="1"/>
-          </p:nvPr>
-        </p:nvSpPr>
-        <p:spPr>
-          <a:xfrm>
-            <a:off x="387900" y="1489824"/>
-            <a:ext cx="8368200" cy="3078899"/>
-          </a:xfrm>
-          <a:prstGeom prst="rect">
-            <a:avLst/>
-          </a:prstGeom>
-        </p:spPr>
-        <p:txBody>
-          <a:bodyPr lIns="91425" tIns="91425" rIns="91425" bIns="91425" anchor="t" anchorCtr="0">
-            <a:noAutofit/>
-          </a:bodyPr>
-          <a:lstStyle/>
-          <a:p>
-            <a:pPr lvl="0" rtl="0">
-              <a:spcBef>
-                <a:spcPts val="0"/>
-              </a:spcBef>
-              <a:spcAft>
-                <a:spcPts val="0"/>
-              </a:spcAft>
-              <a:buNone/>
-            </a:pPr>
-            <a:endParaRPr sz="1600">
-              <a:solidFill>
-                <a:schemeClr val="dk1"/>
-              </a:solidFill>
-            </a:endParaRPr>
-          </a:p>
-          <a:p>
-            <a:pPr lvl="0" rtl="0">
-              <a:spcBef>
-                <a:spcPts val="0"/>
-              </a:spcBef>
-              <a:spcAft>
-                <a:spcPts val="0"/>
-              </a:spcAft>
-              <a:buClr>
-                <a:schemeClr val="dk1"/>
-              </a:buClr>
-              <a:buSzPct val="68750"/>
-              <a:buFont typeface="Arial"/>
-              <a:buNone/>
-            </a:pPr>
-            <a:r>
-              <a:rPr lang="en" sz="1600">
-                <a:solidFill>
-                  <a:schemeClr val="dk1"/>
-                </a:solidFill>
-              </a:rPr>
-              <a:t>Another error we injected was putting the line:</a:t>
-            </a:r>
-          </a:p>
-          <a:p>
-            <a:pPr lvl="0" rtl="0">
-              <a:spcBef>
-                <a:spcPts val="0"/>
-              </a:spcBef>
-              <a:spcAft>
-                <a:spcPts val="0"/>
-              </a:spcAft>
-              <a:buClr>
-                <a:schemeClr val="dk1"/>
-              </a:buClr>
-              <a:buFont typeface="Arial"/>
-              <a:buNone/>
-            </a:pPr>
-            <a:endParaRPr sz="1600">
-              <a:solidFill>
-                <a:schemeClr val="dk1"/>
-              </a:solidFill>
-            </a:endParaRPr>
-          </a:p>
-          <a:p>
-            <a:pPr lvl="0" rtl="0">
-              <a:spcBef>
-                <a:spcPts val="0"/>
-              </a:spcBef>
-              <a:spcAft>
-                <a:spcPts val="0"/>
-              </a:spcAft>
-              <a:buClr>
-                <a:schemeClr val="dk1"/>
-              </a:buClr>
-              <a:buSzPct val="68750"/>
-              <a:buFont typeface="Arial"/>
-              <a:buNone/>
-            </a:pPr>
-            <a:r>
-              <a:rPr lang="en" sz="1600">
-                <a:solidFill>
-                  <a:schemeClr val="dk1"/>
-                </a:solidFill>
-              </a:rPr>
-              <a:t>	</a:t>
-            </a:r>
-            <a:r>
-              <a:rPr lang="en" sz="1600" i="1">
-                <a:solidFill>
-                  <a:schemeClr val="dk1"/>
-                </a:solidFill>
-              </a:rPr>
-              <a:t>ret.getMemberIds().remove(4);</a:t>
-            </a:r>
-            <a:r>
-              <a:rPr lang="en" sz="1600">
-                <a:solidFill>
-                  <a:schemeClr val="dk1"/>
-                </a:solidFill>
-              </a:rPr>
-              <a:t> </a:t>
-            </a:r>
-          </a:p>
-          <a:p>
-            <a:pPr lvl="0" rtl="0">
-              <a:spcBef>
-                <a:spcPts val="0"/>
-              </a:spcBef>
-              <a:spcAft>
-                <a:spcPts val="0"/>
-              </a:spcAft>
-              <a:buClr>
-                <a:schemeClr val="dk1"/>
-              </a:buClr>
-              <a:buFont typeface="Arial"/>
-              <a:buNone/>
-            </a:pPr>
-            <a:endParaRPr sz="1600">
-              <a:solidFill>
-                <a:schemeClr val="dk1"/>
-              </a:solidFill>
-            </a:endParaRPr>
-          </a:p>
-          <a:p>
-            <a:pPr lvl="0" rtl="0">
-              <a:spcBef>
-                <a:spcPts val="0"/>
-              </a:spcBef>
-              <a:spcAft>
-                <a:spcPts val="0"/>
-              </a:spcAft>
-              <a:buClr>
-                <a:schemeClr val="dk1"/>
-              </a:buClr>
-              <a:buSzPct val="68750"/>
-              <a:buFont typeface="Arial"/>
-              <a:buNone/>
-            </a:pPr>
-            <a:r>
-              <a:rPr lang="en" sz="1600">
-                <a:solidFill>
-                  <a:schemeClr val="dk1"/>
-                </a:solidFill>
-              </a:rPr>
-              <a:t>in the </a:t>
-            </a:r>
-            <a:r>
-              <a:rPr lang="en" sz="1600" i="1">
-                <a:solidFill>
-                  <a:schemeClr val="dk1"/>
-                </a:solidFill>
-              </a:rPr>
-              <a:t>subtract </a:t>
-            </a:r>
-            <a:r>
-              <a:rPr lang="en" sz="1600">
-                <a:solidFill>
-                  <a:schemeClr val="dk1"/>
-                </a:solidFill>
-              </a:rPr>
-              <a:t>method.  This caused any test with a 4 in the result to fail.</a:t>
-            </a:r>
-          </a:p>
-          <a:p>
-            <a:pPr lvl="0" rtl="0">
-              <a:spcBef>
-                <a:spcPts val="0"/>
-              </a:spcBef>
-              <a:spcAft>
-                <a:spcPts val="0"/>
-              </a:spcAft>
-              <a:buClr>
-                <a:schemeClr val="dk1"/>
-              </a:buClr>
-              <a:buFont typeface="Arial"/>
-              <a:buNone/>
-            </a:pPr>
-            <a:endParaRPr sz="1600">
-              <a:solidFill>
-                <a:schemeClr val="dk1"/>
-              </a:solidFill>
-            </a:endParaRPr>
-          </a:p>
-          <a:p>
-            <a:pPr lvl="0" rtl="0">
-              <a:spcBef>
-                <a:spcPts val="0"/>
-              </a:spcBef>
-              <a:spcAft>
-                <a:spcPts val="0"/>
-              </a:spcAft>
-              <a:buClr>
-                <a:schemeClr val="dk1"/>
-              </a:buClr>
-              <a:buSzPct val="68750"/>
-              <a:buFont typeface="Arial"/>
-              <a:buNone/>
-            </a:pPr>
-            <a:r>
-              <a:rPr lang="en" sz="1600">
-                <a:solidFill>
-                  <a:schemeClr val="dk1"/>
-                </a:solidFill>
-              </a:rPr>
-              <a:t>Hence, test 15 failed.</a:t>
-            </a:r>
-          </a:p>
-          <a:p>
-            <a:pPr>
-              <a:spcBef>
-                <a:spcPts val="0"/>
-              </a:spcBef>
-              <a:buNone/>
-            </a:pPr>
-            <a:endParaRPr/>
-          </a:p>
-        </p:txBody>
-      </p:sp>
-    </p:spTree>
-  </p:cSld>
-  <p:clrMapOvr>
-    <a:masterClrMapping/>
-  </p:clrMapOvr>
-  <p:transition xmlns:p14="http://schemas.microsoft.com/office/powerpoint/2010/main" spd="slow">
-    <p:cut/>
-  </p:transition>
-</p:sld>
-</file>
-
-<file path=ppt/slides/slide16.xml><?xml version="1.0" encoding="utf-8"?>
-<p:sld xmlns:a="http://schemas.openxmlformats.org/drawingml/2006/main" xmlns:r="http://schemas.openxmlformats.org/officeDocument/2006/relationships" xmlns:p="http://schemas.openxmlformats.org/presentationml/2006/main">
-  <p:cSld>
-    <p:spTree>
-      <p:nvGrpSpPr>
-        <p:cNvPr id="1" name="Shape 141"/>
-        <p:cNvGrpSpPr/>
-        <p:nvPr/>
-      </p:nvGrpSpPr>
-      <p:grpSpPr>
-        <a:xfrm>
-          <a:off x="0" y="0"/>
-          <a:ext cx="0" cy="0"/>
-          <a:chOff x="0" y="0"/>
-          <a:chExt cx="0" cy="0"/>
-        </a:xfrm>
-      </p:grpSpPr>
-      <p:sp>
-        <p:nvSpPr>
-          <p:cNvPr id="142" name="Shape 142"/>
-          <p:cNvSpPr txBox="1">
-            <a:spLocks noGrp="1"/>
-          </p:cNvSpPr>
-          <p:nvPr>
-            <p:ph type="title"/>
-          </p:nvPr>
-        </p:nvSpPr>
-        <p:spPr>
-          <a:xfrm>
-            <a:off x="387900" y="458025"/>
-            <a:ext cx="8368200" cy="686099"/>
-          </a:xfrm>
-          <a:prstGeom prst="rect">
-            <a:avLst/>
-          </a:prstGeom>
-        </p:spPr>
-        <p:txBody>
-          <a:bodyPr lIns="91425" tIns="91425" rIns="91425" bIns="91425" anchor="b" anchorCtr="0">
-            <a:noAutofit/>
-          </a:bodyPr>
-          <a:lstStyle/>
-          <a:p>
-            <a:pPr>
-              <a:spcBef>
-                <a:spcPts val="0"/>
-              </a:spcBef>
-              <a:buNone/>
-            </a:pPr>
-            <a:r>
-              <a:rPr lang="en"/>
-              <a:t>What We Learned</a:t>
-            </a:r>
-          </a:p>
-        </p:txBody>
-      </p:sp>
-      <p:sp>
-        <p:nvSpPr>
-          <p:cNvPr id="143" name="Shape 143"/>
-          <p:cNvSpPr txBox="1">
-            <a:spLocks noGrp="1"/>
-          </p:cNvSpPr>
-          <p:nvPr>
-            <p:ph type="body" idx="1"/>
-          </p:nvPr>
-        </p:nvSpPr>
-        <p:spPr>
-          <a:xfrm>
-            <a:off x="387900" y="1489824"/>
-            <a:ext cx="8368200" cy="3078899"/>
-          </a:xfrm>
-          <a:prstGeom prst="rect">
-            <a:avLst/>
-          </a:prstGeom>
-        </p:spPr>
-        <p:txBody>
-          <a:bodyPr lIns="91425" tIns="91425" rIns="91425" bIns="91425" anchor="t" anchorCtr="0">
-            <a:noAutofit/>
-          </a:bodyPr>
-          <a:lstStyle/>
-          <a:p>
-            <a:pPr rtl="0">
-              <a:spcBef>
-                <a:spcPts val="0"/>
-              </a:spcBef>
-              <a:buNone/>
-            </a:pPr>
-            <a:r>
-              <a:rPr lang="en" b="1"/>
-              <a:t>Communication</a:t>
-            </a:r>
-            <a:r>
-              <a:rPr lang="en"/>
-              <a:t> is an important part of being in a team. </a:t>
-            </a:r>
-          </a:p>
-          <a:p>
-            <a:pPr rtl="0">
-              <a:spcBef>
-                <a:spcPts val="0"/>
-              </a:spcBef>
-              <a:buNone/>
-            </a:pPr>
-            <a:r>
-              <a:rPr lang="en"/>
-              <a:t>The ability to effectively understand and approach a project as a group starts with an effective understanding of each team member’s skills and weaknesses, as well as the ability to understand what each member needs help with. </a:t>
-            </a:r>
-          </a:p>
-          <a:p>
-            <a:pPr rtl="0">
-              <a:spcBef>
-                <a:spcPts val="0"/>
-              </a:spcBef>
-              <a:buNone/>
-            </a:pPr>
-            <a:r>
-              <a:rPr lang="en" b="1"/>
-              <a:t>Delegation &amp; Division </a:t>
-            </a:r>
-            <a:r>
-              <a:rPr lang="en"/>
-              <a:t>is necessary in for an efficient team</a:t>
-            </a:r>
-          </a:p>
-          <a:p>
-            <a:pPr rtl="0">
-              <a:spcBef>
-                <a:spcPts val="0"/>
-              </a:spcBef>
-              <a:buNone/>
-            </a:pPr>
-            <a:r>
-              <a:rPr lang="en"/>
-              <a:t>Knowing how to distribute the tasks based on the skills possessed by each team member in such a way that work is completed in a timely manner, and that progress can constantly be being made.  </a:t>
-            </a:r>
-          </a:p>
-          <a:p>
-            <a:pPr>
-              <a:spcBef>
-                <a:spcPts val="0"/>
-              </a:spcBef>
-              <a:buNone/>
-            </a:pPr>
-            <a:endParaRPr/>
-          </a:p>
-        </p:txBody>
-      </p:sp>
-    </p:spTree>
-  </p:cSld>
-  <p:clrMapOvr>
-    <a:masterClrMapping/>
-  </p:clrMapOvr>
-  <p:transition xmlns:p14="http://schemas.microsoft.com/office/powerpoint/2010/main" spd="slow">
-    <p:cut/>
-  </p:transition>
-</p:sld>
-</file>
-
-<file path=ppt/slides/slide17.xml><?xml version="1.0" encoding="utf-8"?>
-<p:sld xmlns:a="http://schemas.openxmlformats.org/drawingml/2006/main" xmlns:r="http://schemas.openxmlformats.org/officeDocument/2006/relationships" xmlns:p="http://schemas.openxmlformats.org/presentationml/2006/main">
-  <p:cSld>
-    <p:spTree>
-      <p:nvGrpSpPr>
-        <p:cNvPr id="1" name="Shape 147"/>
-        <p:cNvGrpSpPr/>
-        <p:nvPr/>
-      </p:nvGrpSpPr>
-      <p:grpSpPr>
-        <a:xfrm>
-          <a:off x="0" y="0"/>
-          <a:ext cx="0" cy="0"/>
-          <a:chOff x="0" y="0"/>
-          <a:chExt cx="0" cy="0"/>
-        </a:xfrm>
-      </p:grpSpPr>
-      <p:sp>
-        <p:nvSpPr>
-          <p:cNvPr id="148" name="Shape 148"/>
-          <p:cNvSpPr txBox="1">
-            <a:spLocks noGrp="1"/>
-          </p:cNvSpPr>
-          <p:nvPr>
-            <p:ph type="title"/>
-          </p:nvPr>
-        </p:nvSpPr>
-        <p:spPr>
-          <a:xfrm>
-            <a:off x="387900" y="458025"/>
-            <a:ext cx="8368200" cy="686099"/>
-          </a:xfrm>
-          <a:prstGeom prst="rect">
-            <a:avLst/>
-          </a:prstGeom>
-        </p:spPr>
-        <p:txBody>
-          <a:bodyPr lIns="91425" tIns="91425" rIns="91425" bIns="91425" anchor="b" anchorCtr="0">
-            <a:noAutofit/>
-          </a:bodyPr>
-          <a:lstStyle/>
-          <a:p>
-            <a:pPr>
-              <a:spcBef>
-                <a:spcPts val="0"/>
-              </a:spcBef>
-              <a:buNone/>
-            </a:pPr>
-            <a:r>
-              <a:rPr lang="en"/>
-              <a:t>What We Learned (continued)</a:t>
-            </a:r>
-          </a:p>
-        </p:txBody>
-      </p:sp>
-      <p:sp>
-        <p:nvSpPr>
-          <p:cNvPr id="149" name="Shape 149"/>
-          <p:cNvSpPr txBox="1">
-            <a:spLocks noGrp="1"/>
-          </p:cNvSpPr>
-          <p:nvPr>
-            <p:ph type="body" idx="1"/>
-          </p:nvPr>
-        </p:nvSpPr>
-        <p:spPr>
-          <a:xfrm>
-            <a:off x="387900" y="1489824"/>
-            <a:ext cx="8368200" cy="3078899"/>
-          </a:xfrm>
-          <a:prstGeom prst="rect">
-            <a:avLst/>
-          </a:prstGeom>
-        </p:spPr>
-        <p:txBody>
-          <a:bodyPr lIns="91425" tIns="91425" rIns="91425" bIns="91425" anchor="t" anchorCtr="0">
-            <a:noAutofit/>
-          </a:bodyPr>
-          <a:lstStyle/>
-          <a:p>
-            <a:pPr rtl="0">
-              <a:spcBef>
-                <a:spcPts val="0"/>
-              </a:spcBef>
-              <a:buNone/>
-            </a:pPr>
-            <a:r>
-              <a:rPr lang="en" b="1"/>
-              <a:t>Regular meetings </a:t>
-            </a:r>
-            <a:r>
-              <a:rPr lang="en"/>
-              <a:t>help to focus and better inform team members</a:t>
-            </a:r>
-          </a:p>
-          <a:p>
-            <a:pPr>
-              <a:spcBef>
-                <a:spcPts val="0"/>
-              </a:spcBef>
-              <a:buNone/>
-            </a:pPr>
-            <a:r>
-              <a:rPr lang="en"/>
-              <a:t>A consistent meeting time and place can very positively affect the progress of a team. Even though we might have felt like we had nothing to discuss at times, this was a cornerstone to keeping everyone in the loop at all times. More often than not problems tended to arise when we failed to meet. </a:t>
-            </a:r>
-          </a:p>
-        </p:txBody>
-      </p:sp>
-    </p:spTree>
-  </p:cSld>
-  <p:clrMapOvr>
-    <a:masterClrMapping/>
-  </p:clrMapOvr>
-  <p:transition xmlns:p14="http://schemas.microsoft.com/office/powerpoint/2010/main" spd="slow">
-    <p:cut/>
-  </p:transition>
-</p:sld>
-</file>
-
-<file path=ppt/slides/slide18.xml><?xml version="1.0" encoding="utf-8"?>
-<p:sld xmlns:a="http://schemas.openxmlformats.org/drawingml/2006/main" xmlns:r="http://schemas.openxmlformats.org/officeDocument/2006/relationships" xmlns:p="http://schemas.openxmlformats.org/presentationml/2006/main">
-  <p:cSld>
-    <p:spTree>
-      <p:nvGrpSpPr>
-        <p:cNvPr id="1" name="Shape 153"/>
-        <p:cNvGrpSpPr/>
-        <p:nvPr/>
-      </p:nvGrpSpPr>
-      <p:grpSpPr>
-        <a:xfrm>
-          <a:off x="0" y="0"/>
-          <a:ext cx="0" cy="0"/>
-          <a:chOff x="0" y="0"/>
-          <a:chExt cx="0" cy="0"/>
-        </a:xfrm>
-      </p:grpSpPr>
-      <p:pic>
-        <p:nvPicPr>
-          <p:cNvPr id="154" name="Shape 154"/>
-          <p:cNvPicPr preferRelativeResize="0"/>
-          <p:nvPr/>
-        </p:nvPicPr>
-        <p:blipFill>
-          <a:blip r:embed="rId3">
-            <a:alphaModFix/>
-          </a:blip>
-          <a:stretch>
-            <a:fillRect/>
-          </a:stretch>
-        </p:blipFill>
-        <p:spPr>
-          <a:xfrm>
-            <a:off x="0" y="907539"/>
-            <a:ext cx="9144000" cy="3328421"/>
-          </a:xfrm>
-          <a:prstGeom prst="rect">
-            <a:avLst/>
-          </a:prstGeom>
-          <a:noFill/>
-          <a:ln>
-            <a:noFill/>
-          </a:ln>
-        </p:spPr>
-      </p:pic>
-    </p:spTree>
-  </p:cSld>
-  <p:clrMapOvr>
-    <a:masterClrMapping/>
-  </p:clrMapOvr>
-  <p:transition xmlns:p14="http://schemas.microsoft.com/office/powerpoint/2010/main" spd="slow">
-    <p:cut/>
-  </p:transition>
-</p:sld>
-</file>
-
-<file path=ppt/slides/slide2.xml><?xml version="1.0" encoding="utf-8"?>
-<p:sld xmlns:a="http://schemas.openxmlformats.org/drawingml/2006/main" xmlns:r="http://schemas.openxmlformats.org/officeDocument/2006/relationships" xmlns:p="http://schemas.openxmlformats.org/presentationml/2006/main">
-  <p:cSld>
-    <p:spTree>
-      <p:nvGrpSpPr>
-        <p:cNvPr id="1" name="Shape 68"/>
-        <p:cNvGrpSpPr/>
-        <p:nvPr/>
-      </p:nvGrpSpPr>
-      <p:grpSpPr>
-        <a:xfrm>
-          <a:off x="0" y="0"/>
-          <a:ext cx="0" cy="0"/>
-          <a:chOff x="0" y="0"/>
-          <a:chExt cx="0" cy="0"/>
-        </a:xfrm>
-      </p:grpSpPr>
-      <p:sp>
-        <p:nvSpPr>
-          <p:cNvPr id="69" name="Shape 69"/>
-          <p:cNvSpPr txBox="1">
-            <a:spLocks noGrp="1"/>
-          </p:cNvSpPr>
-          <p:nvPr>
-            <p:ph type="title"/>
-          </p:nvPr>
-        </p:nvSpPr>
-        <p:spPr>
-          <a:xfrm>
-            <a:off x="387900" y="458025"/>
-            <a:ext cx="8368200" cy="686099"/>
-          </a:xfrm>
-          <a:prstGeom prst="rect">
-            <a:avLst/>
-          </a:prstGeom>
-        </p:spPr>
-        <p:txBody>
-          <a:bodyPr lIns="91425" tIns="91425" rIns="91425" bIns="91425" anchor="b" anchorCtr="0">
-            <a:noAutofit/>
-          </a:bodyPr>
-          <a:lstStyle/>
-          <a:p>
-            <a:pPr algn="ctr">
-              <a:spcBef>
-                <a:spcPts val="0"/>
-              </a:spcBef>
-              <a:buNone/>
-            </a:pPr>
-            <a:r>
-              <a:rPr lang="en"/>
-              <a:t>What is OpenMRS?</a:t>
-            </a:r>
-          </a:p>
-        </p:txBody>
-      </p:sp>
-      <p:sp>
-        <p:nvSpPr>
-          <p:cNvPr id="70" name="Shape 70"/>
-          <p:cNvSpPr txBox="1">
-            <a:spLocks noGrp="1"/>
-          </p:cNvSpPr>
-          <p:nvPr>
-            <p:ph type="body" idx="1"/>
-          </p:nvPr>
-        </p:nvSpPr>
-        <p:spPr>
-          <a:xfrm>
-            <a:off x="311700" y="1152475"/>
-            <a:ext cx="8520599" cy="1320899"/>
-          </a:xfrm>
-          <a:prstGeom prst="rect">
-            <a:avLst/>
-          </a:prstGeom>
-        </p:spPr>
-        <p:txBody>
-          <a:bodyPr lIns="91425" tIns="91425" rIns="91425" bIns="91425" anchor="t" anchorCtr="0">
-            <a:noAutofit/>
-          </a:bodyPr>
-          <a:lstStyle/>
-          <a:p>
-            <a:pPr lvl="0" algn="ctr" rtl="0">
-              <a:spcBef>
-                <a:spcPts val="1800"/>
-              </a:spcBef>
-              <a:spcAft>
-                <a:spcPts val="400"/>
-              </a:spcAft>
-              <a:buClr>
-                <a:schemeClr val="dk1"/>
-              </a:buClr>
-              <a:buSzPct val="64705"/>
-              <a:buFont typeface="Arial"/>
-              <a:buNone/>
-            </a:pPr>
-            <a:r>
-              <a:rPr lang="en" sz="1700" b="1">
-                <a:solidFill>
-                  <a:schemeClr val="dk1"/>
-                </a:solidFill>
-              </a:rPr>
-              <a:t>“The global OpenMRS community works together to build the world's leading open source enterprise electronic medical record system platform”</a:t>
-            </a:r>
-          </a:p>
-          <a:p>
-            <a:pPr rtl="0">
-              <a:spcBef>
-                <a:spcPts val="0"/>
-              </a:spcBef>
-              <a:buNone/>
-            </a:pPr>
-            <a:endParaRPr/>
-          </a:p>
-          <a:p>
-            <a:pPr rtl="0">
-              <a:spcBef>
-                <a:spcPts val="0"/>
-              </a:spcBef>
-              <a:buNone/>
-            </a:pPr>
-            <a:r>
-              <a:rPr lang="en"/>
-              <a:t>An Electronic Medical Record is the digital collection of patient health data and covers a patient’s medical history.</a:t>
-            </a:r>
-          </a:p>
-          <a:p>
-            <a:pPr>
-              <a:spcBef>
-                <a:spcPts val="0"/>
-              </a:spcBef>
-              <a:buNone/>
-            </a:pPr>
-            <a:r>
-              <a:rPr lang="en"/>
-              <a:t>OpenMRS is a system which facilitates the creation, update, and retrieval of Electronic Medical Records.</a:t>
-            </a:r>
-          </a:p>
-        </p:txBody>
-      </p:sp>
-    </p:spTree>
-  </p:cSld>
-  <p:clrMapOvr>
-    <a:masterClrMapping/>
-  </p:clrMapOvr>
-  <p:transition xmlns:p14="http://schemas.microsoft.com/office/powerpoint/2010/main" spd="slow">
-    <p:cut/>
-  </p:transition>
-</p:sld>
-</file>
-
-<file path=ppt/slides/slide3.xml><?xml version="1.0" encoding="utf-8"?>
-<p:sld xmlns:a="http://schemas.openxmlformats.org/drawingml/2006/main" xmlns:r="http://schemas.openxmlformats.org/officeDocument/2006/relationships" xmlns:p="http://schemas.openxmlformats.org/presentationml/2006/main">
-  <p:cSld>
-    <p:spTree>
-      <p:nvGrpSpPr>
-        <p:cNvPr id="1" name="Shape 74"/>
-        <p:cNvGrpSpPr/>
-        <p:nvPr/>
-      </p:nvGrpSpPr>
-      <p:grpSpPr>
-        <a:xfrm>
-          <a:off x="0" y="0"/>
-          <a:ext cx="0" cy="0"/>
-          <a:chOff x="0" y="0"/>
-          <a:chExt cx="0" cy="0"/>
-        </a:xfrm>
-      </p:grpSpPr>
-      <p:sp>
-        <p:nvSpPr>
-          <p:cNvPr id="75" name="Shape 75"/>
-          <p:cNvSpPr txBox="1">
-            <a:spLocks noGrp="1"/>
-          </p:cNvSpPr>
-          <p:nvPr>
-            <p:ph type="title"/>
-          </p:nvPr>
-        </p:nvSpPr>
-        <p:spPr>
-          <a:xfrm>
-            <a:off x="387900" y="458025"/>
-            <a:ext cx="8368200" cy="686099"/>
-          </a:xfrm>
-          <a:prstGeom prst="rect">
-            <a:avLst/>
-          </a:prstGeom>
-        </p:spPr>
-        <p:txBody>
-          <a:bodyPr lIns="91425" tIns="91425" rIns="91425" bIns="91425" anchor="b" anchorCtr="0">
-            <a:noAutofit/>
-          </a:bodyPr>
-          <a:lstStyle/>
-          <a:p>
-            <a:pPr>
-              <a:spcBef>
-                <a:spcPts val="0"/>
-              </a:spcBef>
-              <a:buNone/>
-            </a:pPr>
-            <a:r>
-              <a:rPr lang="en"/>
-              <a:t>OpenMRS</a:t>
-            </a:r>
-          </a:p>
-        </p:txBody>
-      </p:sp>
-      <p:sp>
-        <p:nvSpPr>
-          <p:cNvPr id="76" name="Shape 76"/>
-          <p:cNvSpPr txBox="1">
-            <a:spLocks noGrp="1"/>
-          </p:cNvSpPr>
-          <p:nvPr>
-            <p:ph type="body" idx="1"/>
-          </p:nvPr>
-        </p:nvSpPr>
-        <p:spPr>
-          <a:xfrm>
-            <a:off x="387900" y="1489824"/>
-            <a:ext cx="8368200" cy="3078899"/>
-          </a:xfrm>
-          <a:prstGeom prst="rect">
-            <a:avLst/>
-          </a:prstGeom>
-        </p:spPr>
-        <p:txBody>
-          <a:bodyPr lIns="91425" tIns="91425" rIns="91425" bIns="91425" anchor="t" anchorCtr="0">
-            <a:noAutofit/>
-          </a:bodyPr>
-          <a:lstStyle/>
-          <a:p>
-            <a:pPr rtl="0">
-              <a:spcBef>
-                <a:spcPts val="0"/>
-              </a:spcBef>
-              <a:buNone/>
-            </a:pPr>
-            <a:r>
-              <a:rPr lang="en"/>
-              <a:t>OpenMRS began in 2004 in an effort to aid developing nations who found creating digital medical records systems cost-prohibitive to produce and paper records insufficient for their needs.</a:t>
-            </a:r>
-          </a:p>
-          <a:p>
-            <a:pPr rtl="0">
-              <a:spcBef>
-                <a:spcPts val="0"/>
-              </a:spcBef>
-              <a:buNone/>
-            </a:pPr>
-            <a:r>
-              <a:rPr lang="en"/>
-              <a:t>They are led in part by the Partners in Health organization located in Boston, Massachussetts.</a:t>
-            </a:r>
-          </a:p>
-          <a:p>
-            <a:pPr rtl="0">
-              <a:spcBef>
-                <a:spcPts val="0"/>
-              </a:spcBef>
-              <a:buNone/>
-            </a:pPr>
-            <a:r>
-              <a:rPr lang="en"/>
-              <a:t>OpenMRS is in use in many locations around the world, including several countries in Africa, Haiti, China, and the Philippines.</a:t>
-            </a:r>
-          </a:p>
-          <a:p>
-            <a:pPr>
-              <a:spcBef>
-                <a:spcPts val="0"/>
-              </a:spcBef>
-              <a:buNone/>
-            </a:pPr>
-            <a:endParaRPr/>
-          </a:p>
-        </p:txBody>
-      </p:sp>
-    </p:spTree>
-  </p:cSld>
-  <p:clrMapOvr>
-    <a:masterClrMapping/>
-  </p:clrMapOvr>
-  <p:transition xmlns:p14="http://schemas.microsoft.com/office/powerpoint/2010/main" spd="slow">
-    <p:cut/>
-  </p:transition>
-</p:sld>
-</file>
-
-<file path=ppt/slides/slide4.xml><?xml version="1.0" encoding="utf-8"?>
-<p:sld xmlns:a="http://schemas.openxmlformats.org/drawingml/2006/main" xmlns:r="http://schemas.openxmlformats.org/officeDocument/2006/relationships" xmlns:p="http://schemas.openxmlformats.org/presentationml/2006/main">
-  <p:cSld>
-    <p:spTree>
-      <p:nvGrpSpPr>
-        <p:cNvPr id="1" name="Shape 80"/>
-        <p:cNvGrpSpPr/>
-        <p:nvPr/>
-      </p:nvGrpSpPr>
-      <p:grpSpPr>
-        <a:xfrm>
-          <a:off x="0" y="0"/>
-          <a:ext cx="0" cy="0"/>
-          <a:chOff x="0" y="0"/>
-          <a:chExt cx="0" cy="0"/>
-        </a:xfrm>
-      </p:grpSpPr>
-      <p:sp>
-        <p:nvSpPr>
-          <p:cNvPr id="81" name="Shape 81"/>
-          <p:cNvSpPr txBox="1">
-            <a:spLocks noGrp="1"/>
-          </p:cNvSpPr>
-          <p:nvPr>
-            <p:ph type="title"/>
-          </p:nvPr>
-        </p:nvSpPr>
-        <p:spPr>
-          <a:xfrm>
-            <a:off x="387900" y="458025"/>
-            <a:ext cx="8368200" cy="686099"/>
-          </a:xfrm>
-          <a:prstGeom prst="rect">
-            <a:avLst/>
-          </a:prstGeom>
-        </p:spPr>
-        <p:txBody>
-          <a:bodyPr lIns="91425" tIns="91425" rIns="91425" bIns="91425" anchor="b" anchorCtr="0">
-            <a:noAutofit/>
-          </a:bodyPr>
-          <a:lstStyle/>
-          <a:p>
-            <a:pPr>
-              <a:spcBef>
-                <a:spcPts val="0"/>
-              </a:spcBef>
-              <a:buNone/>
-            </a:pPr>
-            <a:r>
-              <a:rPr lang="en"/>
-              <a:t>OpenMRS</a:t>
-            </a:r>
-          </a:p>
-        </p:txBody>
-      </p:sp>
-      <p:sp>
-        <p:nvSpPr>
-          <p:cNvPr id="82" name="Shape 82"/>
-          <p:cNvSpPr txBox="1">
-            <a:spLocks noGrp="1"/>
-          </p:cNvSpPr>
-          <p:nvPr>
-            <p:ph type="body" idx="1"/>
-          </p:nvPr>
-        </p:nvSpPr>
-        <p:spPr>
-          <a:xfrm>
-            <a:off x="387900" y="1196045"/>
-            <a:ext cx="8368200" cy="3078899"/>
-          </a:xfrm>
-          <a:prstGeom prst="rect">
-            <a:avLst/>
-          </a:prstGeom>
-        </p:spPr>
-        <p:txBody>
-          <a:bodyPr lIns="91425" tIns="91425" rIns="91425" bIns="91425" anchor="t" anchorCtr="0">
-            <a:noAutofit/>
-          </a:bodyPr>
-          <a:lstStyle/>
-          <a:p>
-            <a:pPr rtl="0">
-              <a:spcBef>
-                <a:spcPts val="0"/>
-              </a:spcBef>
-              <a:buNone/>
-            </a:pPr>
-            <a:r>
-              <a:rPr lang="en" sz="1600" dirty="0">
-                <a:solidFill>
-                  <a:srgbClr val="FFFBF2"/>
-                </a:solidFill>
-              </a:rPr>
-              <a:t>In their words, “The mission of OpenMRS is to improve healthcare delivery in resource-constrained environments by coordinating a global community that creates a robust, scalable, user-driven, open source medical record system platform.”</a:t>
-            </a:r>
-          </a:p>
-          <a:p>
-            <a:pPr rtl="0">
-              <a:spcBef>
-                <a:spcPts val="0"/>
-              </a:spcBef>
-              <a:buNone/>
-            </a:pPr>
-            <a:r>
-              <a:rPr lang="en" sz="1600" dirty="0">
-                <a:solidFill>
-                  <a:srgbClr val="FFFBF2"/>
-                </a:solidFill>
-              </a:rPr>
-              <a:t>To realize that goal, they base themselves on the following ideals:</a:t>
-            </a:r>
-          </a:p>
-          <a:p>
-            <a:pPr marL="514350" lvl="0" indent="-285750" rtl="0">
-              <a:spcBef>
-                <a:spcPts val="0"/>
-              </a:spcBef>
-              <a:buClr>
-                <a:srgbClr val="FFFBF2"/>
-              </a:buClr>
-              <a:buSzPct val="100000"/>
-              <a:buFont typeface="Arial"/>
-              <a:buChar char="•"/>
-            </a:pPr>
-            <a:r>
-              <a:rPr lang="en" sz="1600" dirty="0">
-                <a:solidFill>
-                  <a:srgbClr val="FFFBF2"/>
-                </a:solidFill>
-              </a:rPr>
-              <a:t>Design decisions are driven by real, not perceived needs</a:t>
-            </a:r>
-          </a:p>
-          <a:p>
-            <a:pPr marL="514350" lvl="0" indent="-285750" rtl="0">
-              <a:spcBef>
-                <a:spcPts val="0"/>
-              </a:spcBef>
-              <a:spcAft>
-                <a:spcPts val="1800"/>
-              </a:spcAft>
-              <a:buClr>
-                <a:srgbClr val="FFFBF2"/>
-              </a:buClr>
-              <a:buSzPct val="100000"/>
-              <a:buFont typeface="Arial"/>
-              <a:buChar char="•"/>
-            </a:pPr>
-            <a:r>
-              <a:rPr lang="en" sz="1600" dirty="0">
-                <a:solidFill>
-                  <a:srgbClr val="FFFBF2"/>
-                </a:solidFill>
-              </a:rPr>
-              <a:t>We believe the best ideas come from people with different backgrounds and talents, and we build a community where these people can come together and innovate.</a:t>
-            </a:r>
-          </a:p>
-          <a:p>
-            <a:pPr marL="514350" lvl="0" indent="-285750" rtl="0">
-              <a:spcBef>
-                <a:spcPts val="0"/>
-              </a:spcBef>
-              <a:spcAft>
-                <a:spcPts val="1800"/>
-              </a:spcAft>
-              <a:buClr>
-                <a:srgbClr val="FFFBF2"/>
-              </a:buClr>
-              <a:buSzPct val="100000"/>
-              <a:buFont typeface="Arial"/>
-              <a:buChar char="•"/>
-            </a:pPr>
-            <a:r>
-              <a:rPr lang="en" sz="1600" dirty="0">
-                <a:solidFill>
-                  <a:srgbClr val="FFFBF2"/>
-                </a:solidFill>
-              </a:rPr>
-              <a:t>We believe in harnessing the wisdom of our software development community by creating a safe place to raise concerns, discuss failures, improve existing ideas, and solve problems.</a:t>
-            </a:r>
-          </a:p>
-          <a:p>
-            <a:pPr lvl="0" rtl="0">
-              <a:spcBef>
-                <a:spcPts val="0"/>
-              </a:spcBef>
-              <a:spcAft>
-                <a:spcPts val="1800"/>
-              </a:spcAft>
-              <a:buNone/>
-            </a:pPr>
-            <a:endParaRPr sz="1200" dirty="0">
-              <a:solidFill>
-                <a:srgbClr val="FFFBF2"/>
-              </a:solidFill>
-            </a:endParaRPr>
-          </a:p>
-          <a:p>
-            <a:pPr>
-              <a:spcBef>
-                <a:spcPts val="0"/>
-              </a:spcBef>
-              <a:buNone/>
-            </a:pPr>
-            <a:endParaRPr sz="1200" dirty="0">
-              <a:solidFill>
-                <a:srgbClr val="FFFBF2"/>
-              </a:solidFill>
-            </a:endParaRPr>
-          </a:p>
-        </p:txBody>
-      </p:sp>
-    </p:spTree>
-  </p:cSld>
-  <p:clrMapOvr>
-    <a:masterClrMapping/>
-  </p:clrMapOvr>
-  <p:transition xmlns:p14="http://schemas.microsoft.com/office/powerpoint/2010/main" spd="slow">
-    <p:cut/>
-  </p:transition>
-</p:sld>
-</file>
-
-<file path=ppt/slides/slide5.xml><?xml version="1.0" encoding="utf-8"?>
-<p:sld xmlns:a="http://schemas.openxmlformats.org/drawingml/2006/main" xmlns:r="http://schemas.openxmlformats.org/officeDocument/2006/relationships" xmlns:p="http://schemas.openxmlformats.org/presentationml/2006/main">
-  <p:cSld>
-    <p:spTree>
-      <p:nvGrpSpPr>
-        <p:cNvPr id="1" name="Shape 86"/>
-        <p:cNvGrpSpPr/>
-        <p:nvPr/>
-      </p:nvGrpSpPr>
-      <p:grpSpPr>
-        <a:xfrm>
-          <a:off x="0" y="0"/>
-          <a:ext cx="0" cy="0"/>
-          <a:chOff x="0" y="0"/>
-          <a:chExt cx="0" cy="0"/>
-        </a:xfrm>
-      </p:grpSpPr>
-      <p:sp>
-        <p:nvSpPr>
-          <p:cNvPr id="87" name="Shape 87"/>
-          <p:cNvSpPr txBox="1">
-            <a:spLocks noGrp="1"/>
-          </p:cNvSpPr>
-          <p:nvPr>
-            <p:ph type="title"/>
-          </p:nvPr>
-        </p:nvSpPr>
-        <p:spPr>
-          <a:xfrm>
-            <a:off x="311700" y="0"/>
-            <a:ext cx="8520599" cy="572699"/>
-          </a:xfrm>
-          <a:prstGeom prst="rect">
-            <a:avLst/>
-          </a:prstGeom>
-        </p:spPr>
-        <p:txBody>
-          <a:bodyPr lIns="91425" tIns="91425" rIns="91425" bIns="91425" anchor="b" anchorCtr="0">
-            <a:noAutofit/>
-          </a:bodyPr>
-          <a:lstStyle/>
-          <a:p>
-            <a:pPr algn="ctr">
-              <a:spcBef>
-                <a:spcPts val="0"/>
-              </a:spcBef>
-              <a:buNone/>
-            </a:pPr>
-            <a:r>
-              <a:rPr lang="en"/>
-              <a:t>What Does OpenMRS Look Like?</a:t>
-            </a:r>
-          </a:p>
-        </p:txBody>
-      </p:sp>
-      <p:pic>
-        <p:nvPicPr>
-          <p:cNvPr id="88" name="Shape 88"/>
-          <p:cNvPicPr preferRelativeResize="0"/>
-          <p:nvPr/>
-        </p:nvPicPr>
-        <p:blipFill>
-          <a:blip r:embed="rId3">
-            <a:alphaModFix/>
-          </a:blip>
-          <a:stretch>
-            <a:fillRect/>
-          </a:stretch>
-        </p:blipFill>
-        <p:spPr>
-          <a:xfrm>
-            <a:off x="1109570" y="572700"/>
-            <a:ext cx="6924853" cy="4284775"/>
-          </a:xfrm>
-          <a:prstGeom prst="rect">
-            <a:avLst/>
-          </a:prstGeom>
-          <a:noFill/>
-          <a:ln>
-            <a:noFill/>
-          </a:ln>
-        </p:spPr>
-      </p:pic>
-    </p:spTree>
-  </p:cSld>
-  <p:clrMapOvr>
-    <a:masterClrMapping/>
-  </p:clrMapOvr>
-  <p:transition xmlns:p14="http://schemas.microsoft.com/office/powerpoint/2010/main" spd="slow">
-    <p:cut/>
-  </p:transition>
-</p:sld>
-</file>
-
-<file path=ppt/slides/slide6.xml><?xml version="1.0" encoding="utf-8"?>
-<p:sld xmlns:a="http://schemas.openxmlformats.org/drawingml/2006/main" xmlns:r="http://schemas.openxmlformats.org/officeDocument/2006/relationships" xmlns:p="http://schemas.openxmlformats.org/presentationml/2006/main">
-  <p:cSld>
-    <p:spTree>
-      <p:nvGrpSpPr>
-        <p:cNvPr id="1" name="Shape 92"/>
-        <p:cNvGrpSpPr/>
-        <p:nvPr/>
-      </p:nvGrpSpPr>
-      <p:grpSpPr>
-        <a:xfrm>
-          <a:off x="0" y="0"/>
-          <a:ext cx="0" cy="0"/>
-          <a:chOff x="0" y="0"/>
-          <a:chExt cx="0" cy="0"/>
-        </a:xfrm>
-      </p:grpSpPr>
-      <p:sp>
-        <p:nvSpPr>
-          <p:cNvPr id="93" name="Shape 93"/>
-          <p:cNvSpPr txBox="1">
-            <a:spLocks noGrp="1"/>
-          </p:cNvSpPr>
-          <p:nvPr>
-            <p:ph type="title"/>
-          </p:nvPr>
-        </p:nvSpPr>
-        <p:spPr>
-          <a:xfrm>
-            <a:off x="387900" y="458025"/>
-            <a:ext cx="8368200" cy="686099"/>
-          </a:xfrm>
-          <a:prstGeom prst="rect">
-            <a:avLst/>
-          </a:prstGeom>
-        </p:spPr>
-        <p:txBody>
-          <a:bodyPr lIns="91425" tIns="91425" rIns="91425" bIns="91425" anchor="b" anchorCtr="0">
-            <a:noAutofit/>
-          </a:bodyPr>
-          <a:lstStyle/>
-          <a:p>
-            <a:pPr>
-              <a:spcBef>
-                <a:spcPts val="0"/>
-              </a:spcBef>
-              <a:buNone/>
-            </a:pPr>
-            <a:r>
-              <a:rPr lang="en"/>
-              <a:t>How does OpenMRS work?</a:t>
-            </a:r>
-          </a:p>
-        </p:txBody>
-      </p:sp>
-      <p:sp>
-        <p:nvSpPr>
-          <p:cNvPr id="94" name="Shape 94"/>
-          <p:cNvSpPr txBox="1">
-            <a:spLocks noGrp="1"/>
-          </p:cNvSpPr>
-          <p:nvPr>
-            <p:ph type="body" idx="1"/>
-          </p:nvPr>
-        </p:nvSpPr>
-        <p:spPr>
-          <a:xfrm>
-            <a:off x="387900" y="1489824"/>
-            <a:ext cx="8368200" cy="3078899"/>
-          </a:xfrm>
-          <a:prstGeom prst="rect">
-            <a:avLst/>
-          </a:prstGeom>
-        </p:spPr>
-        <p:txBody>
-          <a:bodyPr lIns="91425" tIns="91425" rIns="91425" bIns="91425" anchor="t" anchorCtr="0">
-            <a:noAutofit/>
-          </a:bodyPr>
-          <a:lstStyle/>
-          <a:p>
-            <a:pPr marL="457200" indent="0" rtl="0">
-              <a:spcBef>
-                <a:spcPts val="0"/>
-              </a:spcBef>
-              <a:buNone/>
-            </a:pPr>
-            <a:r>
-              <a:rPr lang="en">
-                <a:solidFill>
-                  <a:srgbClr val="FFFBF2"/>
-                </a:solidFill>
-              </a:rPr>
-              <a:t>OpenMRS is in essence an application for streamlining/automating the creation and manipulation of medical records as well as patient management and classification. </a:t>
-            </a:r>
-          </a:p>
-          <a:p>
-            <a:pPr marL="457200" indent="0" rtl="0">
-              <a:spcBef>
-                <a:spcPts val="0"/>
-              </a:spcBef>
-              <a:buNone/>
-            </a:pPr>
-            <a:r>
-              <a:rPr lang="en" b="1">
-                <a:solidFill>
-                  <a:srgbClr val="FFFBF2"/>
-                </a:solidFill>
-              </a:rPr>
-              <a:t>Features:</a:t>
-            </a:r>
-          </a:p>
-          <a:p>
-            <a:pPr marL="914400" lvl="0" indent="-304800" rtl="0">
-              <a:lnSpc>
-                <a:spcPct val="200000"/>
-              </a:lnSpc>
-              <a:spcBef>
-                <a:spcPts val="0"/>
-              </a:spcBef>
-              <a:buClr>
-                <a:srgbClr val="FFFBF2"/>
-              </a:buClr>
-              <a:buSzPct val="100000"/>
-              <a:buChar char="●"/>
-            </a:pPr>
-            <a:r>
-              <a:rPr lang="en" sz="1200" b="1">
-                <a:solidFill>
-                  <a:srgbClr val="FFFBF2"/>
-                </a:solidFill>
-              </a:rPr>
-              <a:t>Central concept dictionary            •    Patient repository                    •    Multiple identifiers/ patient</a:t>
-            </a:r>
-          </a:p>
-          <a:p>
-            <a:pPr marL="914400" lvl="0" indent="-304800" rtl="0">
-              <a:lnSpc>
-                <a:spcPct val="200000"/>
-              </a:lnSpc>
-              <a:spcBef>
-                <a:spcPts val="0"/>
-              </a:spcBef>
-              <a:buClr>
-                <a:srgbClr val="FFFBF2"/>
-              </a:buClr>
-              <a:buSzPct val="100000"/>
-              <a:buChar char="●"/>
-            </a:pPr>
-            <a:r>
-              <a:rPr lang="en" sz="1200" b="1">
-                <a:solidFill>
-                  <a:srgbClr val="FFFBF2"/>
-                </a:solidFill>
-              </a:rPr>
-              <a:t>Modular architecture                      •    Patient workflows                    •    Cohort management</a:t>
-            </a:r>
-          </a:p>
-          <a:p>
-            <a:pPr marL="914400" lvl="0" indent="-304800" rtl="0">
-              <a:lnSpc>
-                <a:spcPct val="200000"/>
-              </a:lnSpc>
-              <a:spcBef>
-                <a:spcPts val="0"/>
-              </a:spcBef>
-              <a:buClr>
-                <a:srgbClr val="FFFBF2"/>
-              </a:buClr>
-              <a:buSzPct val="100000"/>
-              <a:buChar char="●"/>
-            </a:pPr>
-            <a:r>
-              <a:rPr lang="en" sz="1200" b="1">
-                <a:solidFill>
-                  <a:srgbClr val="FFFBF2"/>
-                </a:solidFill>
-              </a:rPr>
-              <a:t>Patient merging                              •    Localization </a:t>
-            </a:r>
-          </a:p>
-        </p:txBody>
-      </p:sp>
-    </p:spTree>
-  </p:cSld>
-  <p:clrMapOvr>
-    <a:masterClrMapping/>
-  </p:clrMapOvr>
-  <p:transition xmlns:p14="http://schemas.microsoft.com/office/powerpoint/2010/main" spd="slow">
-    <p:cut/>
-  </p:transition>
-</p:sld>
-</file>
-
-<file path=ppt/slides/slide7.xml><?xml version="1.0" encoding="utf-8"?>
-<p:sld xmlns:a="http://schemas.openxmlformats.org/drawingml/2006/main" xmlns:r="http://schemas.openxmlformats.org/officeDocument/2006/relationships" xmlns:p="http://schemas.openxmlformats.org/presentationml/2006/main">
-  <p:cSld>
-    <p:spTree>
-      <p:nvGrpSpPr>
-        <p:cNvPr id="1" name="Shape 98"/>
-        <p:cNvGrpSpPr/>
-        <p:nvPr/>
-      </p:nvGrpSpPr>
-      <p:grpSpPr>
-        <a:xfrm>
-          <a:off x="0" y="0"/>
-          <a:ext cx="0" cy="0"/>
-          <a:chOff x="0" y="0"/>
-          <a:chExt cx="0" cy="0"/>
-        </a:xfrm>
-      </p:grpSpPr>
-      <p:sp>
-        <p:nvSpPr>
-          <p:cNvPr id="99" name="Shape 99"/>
-          <p:cNvSpPr txBox="1">
-            <a:spLocks noGrp="1"/>
-          </p:cNvSpPr>
-          <p:nvPr>
-            <p:ph type="title"/>
-          </p:nvPr>
-        </p:nvSpPr>
-        <p:spPr>
-          <a:xfrm>
-            <a:off x="387900" y="458025"/>
-            <a:ext cx="8368200" cy="686099"/>
-          </a:xfrm>
-          <a:prstGeom prst="rect">
-            <a:avLst/>
-          </a:prstGeom>
-        </p:spPr>
-        <p:txBody>
-          <a:bodyPr lIns="91425" tIns="91425" rIns="91425" bIns="91425" anchor="b" anchorCtr="0">
-            <a:noAutofit/>
-          </a:bodyPr>
-          <a:lstStyle/>
-          <a:p>
-            <a:pPr>
-              <a:spcBef>
-                <a:spcPts val="0"/>
-              </a:spcBef>
-              <a:buNone/>
-            </a:pPr>
-            <a:r>
-              <a:rPr lang="en"/>
-              <a:t>Data Model</a:t>
-            </a:r>
-          </a:p>
-        </p:txBody>
-      </p:sp>
-      <p:pic>
-        <p:nvPicPr>
-          <p:cNvPr id="100" name="Shape 100"/>
-          <p:cNvPicPr preferRelativeResize="0"/>
-          <p:nvPr/>
-        </p:nvPicPr>
-        <p:blipFill>
-          <a:blip r:embed="rId3">
-            <a:alphaModFix/>
-          </a:blip>
-          <a:stretch>
-            <a:fillRect/>
-          </a:stretch>
-        </p:blipFill>
-        <p:spPr>
-          <a:xfrm>
-            <a:off x="1570224" y="1089850"/>
-            <a:ext cx="6003545" cy="3786351"/>
-          </a:xfrm>
-          <a:prstGeom prst="rect">
-            <a:avLst/>
-          </a:prstGeom>
-          <a:noFill/>
-          <a:ln>
-            <a:noFill/>
-          </a:ln>
-        </p:spPr>
-      </p:pic>
-    </p:spTree>
-  </p:cSld>
-  <p:clrMapOvr>
-    <a:masterClrMapping/>
-  </p:clrMapOvr>
-  <p:transition xmlns:p14="http://schemas.microsoft.com/office/powerpoint/2010/main" spd="slow">
-    <p:cut/>
-  </p:transition>
-</p:sld>
-</file>
-
-<file path=ppt/slides/slide8.xml><?xml version="1.0" encoding="utf-8"?>
-<p:sld xmlns:a="http://schemas.openxmlformats.org/drawingml/2006/main" xmlns:r="http://schemas.openxmlformats.org/officeDocument/2006/relationships" xmlns:p="http://schemas.openxmlformats.org/presentationml/2006/main">
-  <p:cSld>
-    <p:spTree>
-      <p:nvGrpSpPr>
-        <p:cNvPr id="1" name="Shape 104"/>
-        <p:cNvGrpSpPr/>
-        <p:nvPr/>
-      </p:nvGrpSpPr>
-      <p:grpSpPr>
-        <a:xfrm>
-          <a:off x="0" y="0"/>
-          <a:ext cx="0" cy="0"/>
-          <a:chOff x="0" y="0"/>
-          <a:chExt cx="0" cy="0"/>
-        </a:xfrm>
-      </p:grpSpPr>
-      <p:sp>
-        <p:nvSpPr>
-          <p:cNvPr id="105" name="Shape 105"/>
-          <p:cNvSpPr txBox="1">
-            <a:spLocks noGrp="1"/>
-          </p:cNvSpPr>
-          <p:nvPr>
-            <p:ph type="title"/>
-          </p:nvPr>
-        </p:nvSpPr>
-        <p:spPr>
-          <a:xfrm>
-            <a:off x="387900" y="458025"/>
-            <a:ext cx="8368200" cy="686099"/>
-          </a:xfrm>
-          <a:prstGeom prst="rect">
-            <a:avLst/>
-          </a:prstGeom>
-        </p:spPr>
-        <p:txBody>
-          <a:bodyPr lIns="91425" tIns="91425" rIns="91425" bIns="91425" anchor="b" anchorCtr="0">
-            <a:noAutofit/>
-          </a:bodyPr>
-          <a:lstStyle/>
-          <a:p>
-            <a:pPr>
-              <a:spcBef>
-                <a:spcPts val="0"/>
-              </a:spcBef>
-              <a:buNone/>
-            </a:pPr>
-            <a:r>
-              <a:rPr lang="en"/>
-              <a:t>The Cohort Class</a:t>
-            </a:r>
-          </a:p>
-        </p:txBody>
-      </p:sp>
-      <p:sp>
-        <p:nvSpPr>
-          <p:cNvPr id="106" name="Shape 106"/>
-          <p:cNvSpPr txBox="1">
-            <a:spLocks noGrp="1"/>
-          </p:cNvSpPr>
-          <p:nvPr>
-            <p:ph type="body" idx="1"/>
-          </p:nvPr>
-        </p:nvSpPr>
-        <p:spPr>
-          <a:xfrm>
-            <a:off x="387900" y="1489824"/>
-            <a:ext cx="8368200" cy="3078899"/>
-          </a:xfrm>
-          <a:prstGeom prst="rect">
-            <a:avLst/>
-          </a:prstGeom>
-        </p:spPr>
-        <p:txBody>
-          <a:bodyPr lIns="91425" tIns="91425" rIns="91425" bIns="91425" anchor="t" anchorCtr="0">
-            <a:noAutofit/>
-          </a:bodyPr>
-          <a:lstStyle/>
-          <a:p>
-            <a:pPr indent="457200" rtl="0">
-              <a:spcBef>
-                <a:spcPts val="0"/>
-              </a:spcBef>
-              <a:buNone/>
-            </a:pPr>
-            <a:r>
-              <a:rPr lang="en" sz="2400"/>
-              <a:t>A Cohort is a group of patients.</a:t>
-            </a:r>
-          </a:p>
-          <a:p>
-            <a:pPr marL="457200" indent="0">
-              <a:spcBef>
-                <a:spcPts val="0"/>
-              </a:spcBef>
-              <a:buNone/>
-            </a:pPr>
-            <a:r>
-              <a:rPr lang="en" sz="2400"/>
-              <a:t>Our framework extensively tests the methods that manipulate cohorts through set operations, namely the Intersection, Subtraction, and Union functions.  </a:t>
-            </a:r>
-          </a:p>
-        </p:txBody>
-      </p:sp>
-    </p:spTree>
-  </p:cSld>
-  <p:clrMapOvr>
-    <a:masterClrMapping/>
-  </p:clrMapOvr>
-  <p:transition xmlns:p14="http://schemas.microsoft.com/office/powerpoint/2010/main" spd="slow">
-    <p:cut/>
-  </p:transition>
-</p:sld>
-</file>
-
-<file path=ppt/slides/slide9.xml><?xml version="1.0" encoding="utf-8"?>
-<p:sld xmlns:a="http://schemas.openxmlformats.org/drawingml/2006/main" xmlns:r="http://schemas.openxmlformats.org/officeDocument/2006/relationships" xmlns:p="http://schemas.openxmlformats.org/presentationml/2006/main">
-  <p:cSld>
-    <p:spTree>
-      <p:nvGrpSpPr>
         <p:cNvPr id="1" name="Shape 110"/>
         <p:cNvGrpSpPr/>
         <p:nvPr/>
@@ -9186,6 +6744,2616 @@
       </p:par>
     </p:tnLst>
   </p:timing>
+</p:sld>
+</file>
+
+<file path=ppt/slides/slide11.xml><?xml version="1.0" encoding="utf-8"?>
+<p:sld xmlns:a="http://schemas.openxmlformats.org/drawingml/2006/main" xmlns:r="http://schemas.openxmlformats.org/officeDocument/2006/relationships" xmlns:p="http://schemas.openxmlformats.org/presentationml/2006/main">
+  <p:cSld>
+    <p:spTree>
+      <p:nvGrpSpPr>
+        <p:cNvPr id="1" name=""/>
+        <p:cNvGrpSpPr/>
+        <p:nvPr/>
+      </p:nvGrpSpPr>
+      <p:grpSpPr>
+        <a:xfrm>
+          <a:off x="0" y="0"/>
+          <a:ext cx="0" cy="0"/>
+          <a:chOff x="0" y="0"/>
+          <a:chExt cx="0" cy="0"/>
+        </a:xfrm>
+      </p:grpSpPr>
+      <p:sp>
+        <p:nvSpPr>
+          <p:cNvPr id="2" name="Title 1"/>
+          <p:cNvSpPr>
+            <a:spLocks noGrp="1"/>
+          </p:cNvSpPr>
+          <p:nvPr>
+            <p:ph type="title"/>
+          </p:nvPr>
+        </p:nvSpPr>
+        <p:spPr/>
+        <p:txBody>
+          <a:bodyPr/>
+          <a:lstStyle/>
+          <a:p>
+            <a:endParaRPr lang="en-US"/>
+          </a:p>
+        </p:txBody>
+      </p:sp>
+      <p:sp>
+        <p:nvSpPr>
+          <p:cNvPr id="3" name="Text Placeholder 2"/>
+          <p:cNvSpPr>
+            <a:spLocks noGrp="1"/>
+          </p:cNvSpPr>
+          <p:nvPr>
+            <p:ph type="body" idx="1"/>
+          </p:nvPr>
+        </p:nvSpPr>
+        <p:spPr/>
+        <p:txBody>
+          <a:bodyPr/>
+          <a:lstStyle/>
+          <a:p>
+            <a:endParaRPr lang="en-US"/>
+          </a:p>
+        </p:txBody>
+      </p:sp>
+      <p:pic>
+        <p:nvPicPr>
+          <p:cNvPr id="5" name="Picture 4" descr="Cohort Class copy.jpg"/>
+          <p:cNvPicPr>
+            <a:picLocks noChangeAspect="1"/>
+          </p:cNvPicPr>
+          <p:nvPr/>
+        </p:nvPicPr>
+        <p:blipFill>
+          <a:blip r:embed="rId2">
+            <a:extLst>
+              <a:ext uri="{28A0092B-C50C-407E-A947-70E740481C1C}">
+                <a14:useLocalDpi xmlns:a14="http://schemas.microsoft.com/office/drawing/2010/main" val="0"/>
+              </a:ext>
+            </a:extLst>
+          </a:blip>
+          <a:stretch>
+            <a:fillRect/>
+          </a:stretch>
+        </p:blipFill>
+        <p:spPr>
+          <a:xfrm>
+            <a:off x="1333500" y="0"/>
+            <a:ext cx="6455535" cy="5143500"/>
+          </a:xfrm>
+          <a:prstGeom prst="rect">
+            <a:avLst/>
+          </a:prstGeom>
+        </p:spPr>
+      </p:pic>
+    </p:spTree>
+    <p:extLst>
+      <p:ext uri="{BB962C8B-B14F-4D97-AF65-F5344CB8AC3E}">
+        <p14:creationId xmlns:p14="http://schemas.microsoft.com/office/powerpoint/2010/main" val="2525441529"/>
+      </p:ext>
+    </p:extLst>
+  </p:cSld>
+  <p:clrMapOvr>
+    <a:masterClrMapping/>
+  </p:clrMapOvr>
+  <p:timing>
+    <p:tnLst>
+      <p:par>
+        <p:cTn xmlns:p14="http://schemas.microsoft.com/office/powerpoint/2010/main" id="1" dur="indefinite" restart="never" nodeType="tmRoot"/>
+      </p:par>
+    </p:tnLst>
+  </p:timing>
+</p:sld>
+</file>
+
+<file path=ppt/slides/slide12.xml><?xml version="1.0" encoding="utf-8"?>
+<p:sld xmlns:a="http://schemas.openxmlformats.org/drawingml/2006/main" xmlns:r="http://schemas.openxmlformats.org/officeDocument/2006/relationships" xmlns:p="http://schemas.openxmlformats.org/presentationml/2006/main">
+  <p:cSld>
+    <p:spTree>
+      <p:nvGrpSpPr>
+        <p:cNvPr id="1" name="Shape 116"/>
+        <p:cNvGrpSpPr/>
+        <p:nvPr/>
+      </p:nvGrpSpPr>
+      <p:grpSpPr>
+        <a:xfrm>
+          <a:off x="0" y="0"/>
+          <a:ext cx="0" cy="0"/>
+          <a:chOff x="0" y="0"/>
+          <a:chExt cx="0" cy="0"/>
+        </a:xfrm>
+      </p:grpSpPr>
+      <p:sp>
+        <p:nvSpPr>
+          <p:cNvPr id="117" name="Shape 117"/>
+          <p:cNvSpPr txBox="1">
+            <a:spLocks noGrp="1"/>
+          </p:cNvSpPr>
+          <p:nvPr>
+            <p:ph type="title"/>
+          </p:nvPr>
+        </p:nvSpPr>
+        <p:spPr>
+          <a:xfrm>
+            <a:off x="387900" y="458025"/>
+            <a:ext cx="8368200" cy="686099"/>
+          </a:xfrm>
+          <a:prstGeom prst="rect">
+            <a:avLst/>
+          </a:prstGeom>
+        </p:spPr>
+        <p:txBody>
+          <a:bodyPr lIns="91425" tIns="91425" rIns="91425" bIns="91425" anchor="b" anchorCtr="0">
+            <a:noAutofit/>
+          </a:bodyPr>
+          <a:lstStyle/>
+          <a:p>
+            <a:pPr>
+              <a:spcBef>
+                <a:spcPts val="0"/>
+              </a:spcBef>
+              <a:buNone/>
+            </a:pPr>
+            <a:r>
+              <a:rPr lang="en"/>
+              <a:t>Our Test Cases</a:t>
+            </a:r>
+          </a:p>
+        </p:txBody>
+      </p:sp>
+      <p:sp>
+        <p:nvSpPr>
+          <p:cNvPr id="118" name="Shape 118"/>
+          <p:cNvSpPr txBox="1">
+            <a:spLocks noGrp="1"/>
+          </p:cNvSpPr>
+          <p:nvPr>
+            <p:ph type="body" idx="1"/>
+          </p:nvPr>
+        </p:nvSpPr>
+        <p:spPr>
+          <a:xfrm>
+            <a:off x="387900" y="1489824"/>
+            <a:ext cx="8368200" cy="3078899"/>
+          </a:xfrm>
+          <a:prstGeom prst="rect">
+            <a:avLst/>
+          </a:prstGeom>
+          <a:ln w="9525" cap="flat" cmpd="sng">
+            <a:solidFill>
+              <a:srgbClr val="FFFBF2"/>
+            </a:solidFill>
+            <a:prstDash val="solid"/>
+            <a:round/>
+            <a:headEnd type="none" w="med" len="med"/>
+            <a:tailEnd type="none" w="med" len="med"/>
+          </a:ln>
+        </p:spPr>
+        <p:txBody>
+          <a:bodyPr lIns="91425" tIns="91425" rIns="91425" bIns="91425" anchor="t" anchorCtr="0">
+            <a:noAutofit/>
+          </a:bodyPr>
+          <a:lstStyle/>
+          <a:p>
+            <a:pPr lvl="0" indent="457200" rtl="0">
+              <a:lnSpc>
+                <a:spcPct val="136500"/>
+              </a:lnSpc>
+              <a:spcBef>
+                <a:spcPts val="0"/>
+              </a:spcBef>
+              <a:spcAft>
+                <a:spcPts val="0"/>
+              </a:spcAft>
+              <a:buNone/>
+            </a:pPr>
+            <a:r>
+              <a:rPr lang="en" dirty="0">
+                <a:solidFill>
+                  <a:srgbClr val="FFFBF2"/>
+                </a:solidFill>
+              </a:rPr>
+              <a:t>Test ID:		</a:t>
+            </a:r>
+            <a:r>
+              <a:rPr lang="en" dirty="0" smtClean="0">
+                <a:solidFill>
+                  <a:srgbClr val="FFFBF2"/>
+                </a:solidFill>
+              </a:rPr>
+              <a:t>1</a:t>
+            </a:r>
+            <a:endParaRPr lang="en" dirty="0">
+              <a:solidFill>
+                <a:srgbClr val="FFFBF2"/>
+              </a:solidFill>
+            </a:endParaRPr>
+          </a:p>
+          <a:p>
+            <a:pPr lvl="0" indent="457200" rtl="0">
+              <a:lnSpc>
+                <a:spcPct val="136500"/>
+              </a:lnSpc>
+              <a:spcBef>
+                <a:spcPts val="0"/>
+              </a:spcBef>
+              <a:spcAft>
+                <a:spcPts val="0"/>
+              </a:spcAft>
+              <a:buNone/>
+            </a:pPr>
+            <a:r>
+              <a:rPr lang="en" dirty="0">
+                <a:solidFill>
+                  <a:srgbClr val="FFFBF2"/>
+                </a:solidFill>
+              </a:rPr>
+              <a:t>Requirement:	The union of two Cohorts has no repeated values</a:t>
+            </a:r>
+          </a:p>
+          <a:p>
+            <a:pPr lvl="0" indent="457200" rtl="0">
+              <a:lnSpc>
+                <a:spcPct val="136500"/>
+              </a:lnSpc>
+              <a:spcBef>
+                <a:spcPts val="0"/>
+              </a:spcBef>
+              <a:spcAft>
+                <a:spcPts val="0"/>
+              </a:spcAft>
+              <a:buNone/>
+            </a:pPr>
+            <a:r>
+              <a:rPr lang="en" dirty="0">
+                <a:solidFill>
+                  <a:srgbClr val="FFFBF2"/>
+                </a:solidFill>
+              </a:rPr>
+              <a:t>Component:		Cohort</a:t>
+            </a:r>
+          </a:p>
+          <a:p>
+            <a:pPr lvl="0" indent="457200" rtl="0">
+              <a:lnSpc>
+                <a:spcPct val="136500"/>
+              </a:lnSpc>
+              <a:spcBef>
+                <a:spcPts val="0"/>
+              </a:spcBef>
+              <a:spcAft>
+                <a:spcPts val="0"/>
+              </a:spcAft>
+              <a:buNone/>
+            </a:pPr>
+            <a:r>
+              <a:rPr lang="en" dirty="0">
+                <a:solidFill>
+                  <a:srgbClr val="FFFBF2"/>
+                </a:solidFill>
+              </a:rPr>
+              <a:t>Method:		</a:t>
+            </a:r>
+            <a:r>
+              <a:rPr lang="en" dirty="0" smtClean="0">
+                <a:solidFill>
+                  <a:srgbClr val="FFFBF2"/>
+                </a:solidFill>
+              </a:rPr>
+              <a:t>public </a:t>
+            </a:r>
+            <a:r>
+              <a:rPr lang="en" dirty="0">
+                <a:solidFill>
+                  <a:srgbClr val="FFFBF2"/>
+                </a:solidFill>
+              </a:rPr>
+              <a:t>static Cohort union(Cohort a, Cohort b)</a:t>
+            </a:r>
+          </a:p>
+          <a:p>
+            <a:pPr lvl="0" indent="457200" rtl="0">
+              <a:lnSpc>
+                <a:spcPct val="136500"/>
+              </a:lnSpc>
+              <a:spcBef>
+                <a:spcPts val="0"/>
+              </a:spcBef>
+              <a:spcAft>
+                <a:spcPts val="0"/>
+              </a:spcAft>
+              <a:buNone/>
+            </a:pPr>
+            <a:r>
+              <a:rPr lang="en" dirty="0">
+                <a:solidFill>
+                  <a:srgbClr val="FFFBF2"/>
+                </a:solidFill>
+              </a:rPr>
+              <a:t>Inputs:       		[1,2,3,4,5] [3,4,5]</a:t>
+            </a:r>
+          </a:p>
+          <a:p>
+            <a:pPr lvl="0" indent="457200" rtl="0">
+              <a:lnSpc>
+                <a:spcPct val="136500"/>
+              </a:lnSpc>
+              <a:spcBef>
+                <a:spcPts val="0"/>
+              </a:spcBef>
+              <a:spcAft>
+                <a:spcPts val="0"/>
+              </a:spcAft>
+              <a:buNone/>
+            </a:pPr>
+            <a:r>
+              <a:rPr lang="en" dirty="0">
+                <a:solidFill>
+                  <a:srgbClr val="FFFBF2"/>
+                </a:solidFill>
+              </a:rPr>
+              <a:t>Expected:		[1,2,3,4,5]</a:t>
+            </a:r>
+          </a:p>
+          <a:p>
+            <a:pPr lvl="0" indent="457200" rtl="0">
+              <a:lnSpc>
+                <a:spcPct val="136500"/>
+              </a:lnSpc>
+              <a:spcBef>
+                <a:spcPts val="0"/>
+              </a:spcBef>
+              <a:spcAft>
+                <a:spcPts val="0"/>
+              </a:spcAft>
+              <a:buNone/>
+            </a:pPr>
+            <a:r>
+              <a:rPr lang="en" dirty="0">
+                <a:solidFill>
+                  <a:srgbClr val="FFFBF2"/>
+                </a:solidFill>
+              </a:rPr>
+              <a:t>Driver:		</a:t>
+            </a:r>
+            <a:r>
+              <a:rPr lang="en" dirty="0" smtClean="0">
+                <a:solidFill>
+                  <a:srgbClr val="FFFBF2"/>
+                </a:solidFill>
+              </a:rPr>
+              <a:t>CohortUnionDriver</a:t>
+            </a:r>
+            <a:endParaRPr lang="en" dirty="0">
+              <a:solidFill>
+                <a:srgbClr val="FFFBF2"/>
+              </a:solidFill>
+            </a:endParaRPr>
+          </a:p>
+          <a:p>
+            <a:pPr lvl="0" indent="457200" rtl="0">
+              <a:lnSpc>
+                <a:spcPct val="136500"/>
+              </a:lnSpc>
+              <a:spcBef>
+                <a:spcPts val="0"/>
+              </a:spcBef>
+              <a:spcAft>
+                <a:spcPts val="0"/>
+              </a:spcAft>
+              <a:buNone/>
+            </a:pPr>
+            <a:r>
+              <a:rPr lang="en" dirty="0">
+                <a:solidFill>
+                  <a:srgbClr val="FFFBF2"/>
+                </a:solidFill>
+              </a:rPr>
+              <a:t>Notes:</a:t>
+            </a:r>
+          </a:p>
+          <a:p>
+            <a:pPr lvl="0" rtl="0">
+              <a:lnSpc>
+                <a:spcPct val="136500"/>
+              </a:lnSpc>
+              <a:spcBef>
+                <a:spcPts val="0"/>
+              </a:spcBef>
+              <a:spcAft>
+                <a:spcPts val="0"/>
+              </a:spcAft>
+              <a:buClr>
+                <a:schemeClr val="dk1"/>
+              </a:buClr>
+              <a:buFont typeface="Arial"/>
+              <a:buNone/>
+            </a:pPr>
+            <a:endParaRPr sz="1400" dirty="0">
+              <a:solidFill>
+                <a:srgbClr val="333333"/>
+              </a:solidFill>
+            </a:endParaRPr>
+          </a:p>
+          <a:p>
+            <a:pPr>
+              <a:spcBef>
+                <a:spcPts val="0"/>
+              </a:spcBef>
+              <a:buNone/>
+            </a:pPr>
+            <a:endParaRPr dirty="0"/>
+          </a:p>
+        </p:txBody>
+      </p:sp>
+    </p:spTree>
+  </p:cSld>
+  <p:clrMapOvr>
+    <a:masterClrMapping/>
+  </p:clrMapOvr>
+  <p:transition xmlns:p14="http://schemas.microsoft.com/office/powerpoint/2010/main" spd="slow">
+    <p:cut/>
+  </p:transition>
+  <p:timing>
+    <p:tnLst>
+      <p:par>
+        <p:cTn xmlns:p14="http://schemas.microsoft.com/office/powerpoint/2010/main" id="1" dur="indefinite" restart="never" nodeType="tmRoot"/>
+      </p:par>
+    </p:tnLst>
+  </p:timing>
+</p:sld>
+</file>
+
+<file path=ppt/slides/slide13.xml><?xml version="1.0" encoding="utf-8"?>
+<p:sld xmlns:a="http://schemas.openxmlformats.org/drawingml/2006/main" xmlns:r="http://schemas.openxmlformats.org/officeDocument/2006/relationships" xmlns:p="http://schemas.openxmlformats.org/presentationml/2006/main">
+  <p:cSld>
+    <p:spTree>
+      <p:nvGrpSpPr>
+        <p:cNvPr id="1" name=""/>
+        <p:cNvGrpSpPr/>
+        <p:nvPr/>
+      </p:nvGrpSpPr>
+      <p:grpSpPr>
+        <a:xfrm>
+          <a:off x="0" y="0"/>
+          <a:ext cx="0" cy="0"/>
+          <a:chOff x="0" y="0"/>
+          <a:chExt cx="0" cy="0"/>
+        </a:xfrm>
+      </p:grpSpPr>
+      <p:sp>
+        <p:nvSpPr>
+          <p:cNvPr id="2" name="Title 1"/>
+          <p:cNvSpPr>
+            <a:spLocks noGrp="1"/>
+          </p:cNvSpPr>
+          <p:nvPr>
+            <p:ph type="title"/>
+          </p:nvPr>
+        </p:nvSpPr>
+        <p:spPr/>
+        <p:txBody>
+          <a:bodyPr/>
+          <a:lstStyle/>
+          <a:p>
+            <a:endParaRPr lang="en-US"/>
+          </a:p>
+        </p:txBody>
+      </p:sp>
+      <p:sp>
+        <p:nvSpPr>
+          <p:cNvPr id="3" name="Text Placeholder 2"/>
+          <p:cNvSpPr>
+            <a:spLocks noGrp="1"/>
+          </p:cNvSpPr>
+          <p:nvPr>
+            <p:ph type="body" idx="1"/>
+          </p:nvPr>
+        </p:nvSpPr>
+        <p:spPr/>
+        <p:txBody>
+          <a:bodyPr/>
+          <a:lstStyle/>
+          <a:p>
+            <a:endParaRPr lang="en-US"/>
+          </a:p>
+        </p:txBody>
+      </p:sp>
+      <p:pic>
+        <p:nvPicPr>
+          <p:cNvPr id="4" name="Picture 3" descr="CUD copy.jpg"/>
+          <p:cNvPicPr>
+            <a:picLocks noChangeAspect="1"/>
+          </p:cNvPicPr>
+          <p:nvPr/>
+        </p:nvPicPr>
+        <p:blipFill>
+          <a:blip r:embed="rId2">
+            <a:extLst>
+              <a:ext uri="{28A0092B-C50C-407E-A947-70E740481C1C}">
+                <a14:useLocalDpi xmlns:a14="http://schemas.microsoft.com/office/drawing/2010/main" val="0"/>
+              </a:ext>
+            </a:extLst>
+          </a:blip>
+          <a:stretch>
+            <a:fillRect/>
+          </a:stretch>
+        </p:blipFill>
+        <p:spPr>
+          <a:xfrm>
+            <a:off x="622300" y="0"/>
+            <a:ext cx="7884021" cy="5143500"/>
+          </a:xfrm>
+          <a:prstGeom prst="rect">
+            <a:avLst/>
+          </a:prstGeom>
+        </p:spPr>
+      </p:pic>
+    </p:spTree>
+    <p:extLst>
+      <p:ext uri="{BB962C8B-B14F-4D97-AF65-F5344CB8AC3E}">
+        <p14:creationId xmlns:p14="http://schemas.microsoft.com/office/powerpoint/2010/main" val="4197507065"/>
+      </p:ext>
+    </p:extLst>
+  </p:cSld>
+  <p:clrMapOvr>
+    <a:masterClrMapping/>
+  </p:clrMapOvr>
+</p:sld>
+</file>
+
+<file path=ppt/slides/slide14.xml><?xml version="1.0" encoding="utf-8"?>
+<p:sld xmlns:a="http://schemas.openxmlformats.org/drawingml/2006/main" xmlns:r="http://schemas.openxmlformats.org/officeDocument/2006/relationships" xmlns:p="http://schemas.openxmlformats.org/presentationml/2006/main">
+  <p:cSld>
+    <p:spTree>
+      <p:nvGrpSpPr>
+        <p:cNvPr id="1" name="Shape 122"/>
+        <p:cNvGrpSpPr/>
+        <p:nvPr/>
+      </p:nvGrpSpPr>
+      <p:grpSpPr>
+        <a:xfrm>
+          <a:off x="0" y="0"/>
+          <a:ext cx="0" cy="0"/>
+          <a:chOff x="0" y="0"/>
+          <a:chExt cx="0" cy="0"/>
+        </a:xfrm>
+      </p:grpSpPr>
+      <p:sp>
+        <p:nvSpPr>
+          <p:cNvPr id="123" name="Shape 123"/>
+          <p:cNvSpPr txBox="1">
+            <a:spLocks noGrp="1"/>
+          </p:cNvSpPr>
+          <p:nvPr>
+            <p:ph type="title"/>
+          </p:nvPr>
+        </p:nvSpPr>
+        <p:spPr>
+          <a:xfrm>
+            <a:off x="387900" y="458025"/>
+            <a:ext cx="8368200" cy="686099"/>
+          </a:xfrm>
+          <a:prstGeom prst="rect">
+            <a:avLst/>
+          </a:prstGeom>
+        </p:spPr>
+        <p:txBody>
+          <a:bodyPr lIns="91425" tIns="91425" rIns="91425" bIns="91425" anchor="b" anchorCtr="0">
+            <a:noAutofit/>
+          </a:bodyPr>
+          <a:lstStyle/>
+          <a:p>
+            <a:pPr>
+              <a:spcBef>
+                <a:spcPts val="0"/>
+              </a:spcBef>
+              <a:buNone/>
+            </a:pPr>
+            <a:r>
+              <a:rPr lang="en"/>
+              <a:t>Results</a:t>
+            </a:r>
+          </a:p>
+        </p:txBody>
+      </p:sp>
+      <p:sp>
+        <p:nvSpPr>
+          <p:cNvPr id="124" name="Shape 124"/>
+          <p:cNvSpPr txBox="1">
+            <a:spLocks noGrp="1"/>
+          </p:cNvSpPr>
+          <p:nvPr>
+            <p:ph type="body" idx="1"/>
+          </p:nvPr>
+        </p:nvSpPr>
+        <p:spPr>
+          <a:xfrm>
+            <a:off x="387900" y="1489824"/>
+            <a:ext cx="8368200" cy="3078899"/>
+          </a:xfrm>
+          <a:prstGeom prst="rect">
+            <a:avLst/>
+          </a:prstGeom>
+        </p:spPr>
+        <p:txBody>
+          <a:bodyPr lIns="91425" tIns="91425" rIns="91425" bIns="91425" anchor="t" anchorCtr="0">
+            <a:noAutofit/>
+          </a:bodyPr>
+          <a:lstStyle/>
+          <a:p>
+            <a:pPr>
+              <a:spcBef>
+                <a:spcPts val="0"/>
+              </a:spcBef>
+              <a:buNone/>
+            </a:pPr>
+            <a:endParaRPr/>
+          </a:p>
+        </p:txBody>
+      </p:sp>
+      <p:pic>
+        <p:nvPicPr>
+          <p:cNvPr id="125" name="Shape 125"/>
+          <p:cNvPicPr preferRelativeResize="0"/>
+          <p:nvPr/>
+        </p:nvPicPr>
+        <p:blipFill>
+          <a:blip r:embed="rId3">
+            <a:alphaModFix/>
+          </a:blip>
+          <a:stretch>
+            <a:fillRect/>
+          </a:stretch>
+        </p:blipFill>
+        <p:spPr>
+          <a:xfrm>
+            <a:off x="0" y="0"/>
+            <a:ext cx="9144000" cy="5235750"/>
+          </a:xfrm>
+          <a:prstGeom prst="rect">
+            <a:avLst/>
+          </a:prstGeom>
+          <a:noFill/>
+          <a:ln>
+            <a:noFill/>
+          </a:ln>
+        </p:spPr>
+      </p:pic>
+    </p:spTree>
+  </p:cSld>
+  <p:clrMapOvr>
+    <a:masterClrMapping/>
+  </p:clrMapOvr>
+  <p:transition xmlns:p14="http://schemas.microsoft.com/office/powerpoint/2010/main" spd="slow">
+    <p:cut/>
+  </p:transition>
+</p:sld>
+</file>
+
+<file path=ppt/slides/slide15.xml><?xml version="1.0" encoding="utf-8"?>
+<p:sld xmlns:a="http://schemas.openxmlformats.org/drawingml/2006/main" xmlns:r="http://schemas.openxmlformats.org/officeDocument/2006/relationships" xmlns:p="http://schemas.openxmlformats.org/presentationml/2006/main">
+  <p:cSld>
+    <p:spTree>
+      <p:nvGrpSpPr>
+        <p:cNvPr id="1" name="Shape 129"/>
+        <p:cNvGrpSpPr/>
+        <p:nvPr/>
+      </p:nvGrpSpPr>
+      <p:grpSpPr>
+        <a:xfrm>
+          <a:off x="0" y="0"/>
+          <a:ext cx="0" cy="0"/>
+          <a:chOff x="0" y="0"/>
+          <a:chExt cx="0" cy="0"/>
+        </a:xfrm>
+      </p:grpSpPr>
+      <p:sp>
+        <p:nvSpPr>
+          <p:cNvPr id="130" name="Shape 130"/>
+          <p:cNvSpPr txBox="1">
+            <a:spLocks noGrp="1"/>
+          </p:cNvSpPr>
+          <p:nvPr>
+            <p:ph type="title"/>
+          </p:nvPr>
+        </p:nvSpPr>
+        <p:spPr>
+          <a:xfrm>
+            <a:off x="387900" y="458025"/>
+            <a:ext cx="8368200" cy="686099"/>
+          </a:xfrm>
+          <a:prstGeom prst="rect">
+            <a:avLst/>
+          </a:prstGeom>
+        </p:spPr>
+        <p:txBody>
+          <a:bodyPr lIns="91425" tIns="91425" rIns="91425" bIns="91425" anchor="b" anchorCtr="0">
+            <a:noAutofit/>
+          </a:bodyPr>
+          <a:lstStyle/>
+          <a:p>
+            <a:pPr>
+              <a:spcBef>
+                <a:spcPts val="0"/>
+              </a:spcBef>
+              <a:buNone/>
+            </a:pPr>
+            <a:r>
+              <a:rPr lang="en"/>
+              <a:t>Faults</a:t>
+            </a:r>
+          </a:p>
+        </p:txBody>
+      </p:sp>
+      <p:sp>
+        <p:nvSpPr>
+          <p:cNvPr id="131" name="Shape 131"/>
+          <p:cNvSpPr txBox="1">
+            <a:spLocks noGrp="1"/>
+          </p:cNvSpPr>
+          <p:nvPr>
+            <p:ph type="body" idx="1"/>
+          </p:nvPr>
+        </p:nvSpPr>
+        <p:spPr>
+          <a:xfrm>
+            <a:off x="387900" y="1489824"/>
+            <a:ext cx="8368200" cy="3078899"/>
+          </a:xfrm>
+          <a:prstGeom prst="rect">
+            <a:avLst/>
+          </a:prstGeom>
+        </p:spPr>
+        <p:txBody>
+          <a:bodyPr lIns="91425" tIns="91425" rIns="91425" bIns="91425" anchor="t" anchorCtr="0">
+            <a:noAutofit/>
+          </a:bodyPr>
+          <a:lstStyle/>
+          <a:p>
+            <a:pPr rtl="0">
+              <a:spcBef>
+                <a:spcPts val="0"/>
+              </a:spcBef>
+              <a:buNone/>
+            </a:pPr>
+            <a:r>
+              <a:rPr lang="en"/>
+              <a:t>To test our testing framework, the following errors were inserted into the source code:</a:t>
+            </a:r>
+          </a:p>
+          <a:p>
+            <a:pPr rtl="0">
+              <a:spcBef>
+                <a:spcPts val="0"/>
+              </a:spcBef>
+              <a:buNone/>
+            </a:pPr>
+            <a:r>
+              <a:rPr lang="en"/>
+              <a:t>In the </a:t>
+            </a:r>
+            <a:r>
+              <a:rPr lang="en" i="1"/>
+              <a:t>union</a:t>
+            </a:r>
+            <a:r>
+              <a:rPr lang="en"/>
+              <a:t> method, just before the return statement, we added the line:</a:t>
+            </a:r>
+          </a:p>
+          <a:p>
+            <a:pPr rtl="0">
+              <a:spcBef>
+                <a:spcPts val="0"/>
+              </a:spcBef>
+              <a:buNone/>
+            </a:pPr>
+            <a:r>
+              <a:rPr lang="en"/>
+              <a:t>	</a:t>
+            </a:r>
+            <a:r>
+              <a:rPr lang="en" i="1"/>
+              <a:t>ret.getMemberIds().add(5);</a:t>
+            </a:r>
+          </a:p>
+          <a:p>
+            <a:pPr>
+              <a:spcBef>
+                <a:spcPts val="0"/>
+              </a:spcBef>
+              <a:buNone/>
+            </a:pPr>
+            <a:r>
+              <a:rPr lang="en"/>
+              <a:t>This would add the number 5 to the returned cohort, and thus, any result that was not supposed to contain a 5, would fail.  Thus, test case 3 failed.</a:t>
+            </a:r>
+          </a:p>
+        </p:txBody>
+      </p:sp>
+    </p:spTree>
+  </p:cSld>
+  <p:clrMapOvr>
+    <a:masterClrMapping/>
+  </p:clrMapOvr>
+  <p:transition xmlns:p14="http://schemas.microsoft.com/office/powerpoint/2010/main" spd="slow">
+    <p:cut/>
+  </p:transition>
+</p:sld>
+</file>
+
+<file path=ppt/slides/slide16.xml><?xml version="1.0" encoding="utf-8"?>
+<p:sld xmlns:a="http://schemas.openxmlformats.org/drawingml/2006/main" xmlns:r="http://schemas.openxmlformats.org/officeDocument/2006/relationships" xmlns:p="http://schemas.openxmlformats.org/presentationml/2006/main">
+  <p:cSld>
+    <p:spTree>
+      <p:nvGrpSpPr>
+        <p:cNvPr id="1" name="Shape 135"/>
+        <p:cNvGrpSpPr/>
+        <p:nvPr/>
+      </p:nvGrpSpPr>
+      <p:grpSpPr>
+        <a:xfrm>
+          <a:off x="0" y="0"/>
+          <a:ext cx="0" cy="0"/>
+          <a:chOff x="0" y="0"/>
+          <a:chExt cx="0" cy="0"/>
+        </a:xfrm>
+      </p:grpSpPr>
+      <p:sp>
+        <p:nvSpPr>
+          <p:cNvPr id="136" name="Shape 136"/>
+          <p:cNvSpPr txBox="1">
+            <a:spLocks noGrp="1"/>
+          </p:cNvSpPr>
+          <p:nvPr>
+            <p:ph type="title"/>
+          </p:nvPr>
+        </p:nvSpPr>
+        <p:spPr>
+          <a:xfrm>
+            <a:off x="387900" y="458025"/>
+            <a:ext cx="8368200" cy="686099"/>
+          </a:xfrm>
+          <a:prstGeom prst="rect">
+            <a:avLst/>
+          </a:prstGeom>
+        </p:spPr>
+        <p:txBody>
+          <a:bodyPr lIns="91425" tIns="91425" rIns="91425" bIns="91425" anchor="b" anchorCtr="0">
+            <a:noAutofit/>
+          </a:bodyPr>
+          <a:lstStyle/>
+          <a:p>
+            <a:pPr>
+              <a:spcBef>
+                <a:spcPts val="0"/>
+              </a:spcBef>
+              <a:buNone/>
+            </a:pPr>
+            <a:r>
+              <a:rPr lang="en"/>
+              <a:t>Faults, Part 2</a:t>
+            </a:r>
+          </a:p>
+        </p:txBody>
+      </p:sp>
+      <p:sp>
+        <p:nvSpPr>
+          <p:cNvPr id="137" name="Shape 137"/>
+          <p:cNvSpPr txBox="1">
+            <a:spLocks noGrp="1"/>
+          </p:cNvSpPr>
+          <p:nvPr>
+            <p:ph type="body" idx="1"/>
+          </p:nvPr>
+        </p:nvSpPr>
+        <p:spPr>
+          <a:xfrm>
+            <a:off x="387900" y="1489824"/>
+            <a:ext cx="8368200" cy="3078899"/>
+          </a:xfrm>
+          <a:prstGeom prst="rect">
+            <a:avLst/>
+          </a:prstGeom>
+        </p:spPr>
+        <p:txBody>
+          <a:bodyPr lIns="91425" tIns="91425" rIns="91425" bIns="91425" anchor="t" anchorCtr="0">
+            <a:noAutofit/>
+          </a:bodyPr>
+          <a:lstStyle/>
+          <a:p>
+            <a:pPr lvl="0" rtl="0">
+              <a:spcBef>
+                <a:spcPts val="0"/>
+              </a:spcBef>
+              <a:spcAft>
+                <a:spcPts val="0"/>
+              </a:spcAft>
+              <a:buNone/>
+            </a:pPr>
+            <a:endParaRPr sz="1600">
+              <a:solidFill>
+                <a:schemeClr val="dk1"/>
+              </a:solidFill>
+            </a:endParaRPr>
+          </a:p>
+          <a:p>
+            <a:pPr lvl="0" rtl="0">
+              <a:spcBef>
+                <a:spcPts val="0"/>
+              </a:spcBef>
+              <a:spcAft>
+                <a:spcPts val="0"/>
+              </a:spcAft>
+              <a:buClr>
+                <a:schemeClr val="dk1"/>
+              </a:buClr>
+              <a:buSzPct val="68750"/>
+              <a:buFont typeface="Arial"/>
+              <a:buNone/>
+            </a:pPr>
+            <a:r>
+              <a:rPr lang="en" sz="1600">
+                <a:solidFill>
+                  <a:schemeClr val="dk1"/>
+                </a:solidFill>
+              </a:rPr>
+              <a:t>Another error we injected was putting the line:</a:t>
+            </a:r>
+          </a:p>
+          <a:p>
+            <a:pPr lvl="0" rtl="0">
+              <a:spcBef>
+                <a:spcPts val="0"/>
+              </a:spcBef>
+              <a:spcAft>
+                <a:spcPts val="0"/>
+              </a:spcAft>
+              <a:buClr>
+                <a:schemeClr val="dk1"/>
+              </a:buClr>
+              <a:buFont typeface="Arial"/>
+              <a:buNone/>
+            </a:pPr>
+            <a:endParaRPr sz="1600">
+              <a:solidFill>
+                <a:schemeClr val="dk1"/>
+              </a:solidFill>
+            </a:endParaRPr>
+          </a:p>
+          <a:p>
+            <a:pPr lvl="0" rtl="0">
+              <a:spcBef>
+                <a:spcPts val="0"/>
+              </a:spcBef>
+              <a:spcAft>
+                <a:spcPts val="0"/>
+              </a:spcAft>
+              <a:buClr>
+                <a:schemeClr val="dk1"/>
+              </a:buClr>
+              <a:buSzPct val="68750"/>
+              <a:buFont typeface="Arial"/>
+              <a:buNone/>
+            </a:pPr>
+            <a:r>
+              <a:rPr lang="en" sz="1600">
+                <a:solidFill>
+                  <a:schemeClr val="dk1"/>
+                </a:solidFill>
+              </a:rPr>
+              <a:t>	</a:t>
+            </a:r>
+            <a:r>
+              <a:rPr lang="en" sz="1600" i="1">
+                <a:solidFill>
+                  <a:schemeClr val="dk1"/>
+                </a:solidFill>
+              </a:rPr>
+              <a:t>ret.getMemberIds().remove(4);</a:t>
+            </a:r>
+            <a:r>
+              <a:rPr lang="en" sz="1600">
+                <a:solidFill>
+                  <a:schemeClr val="dk1"/>
+                </a:solidFill>
+              </a:rPr>
+              <a:t> </a:t>
+            </a:r>
+          </a:p>
+          <a:p>
+            <a:pPr lvl="0" rtl="0">
+              <a:spcBef>
+                <a:spcPts val="0"/>
+              </a:spcBef>
+              <a:spcAft>
+                <a:spcPts val="0"/>
+              </a:spcAft>
+              <a:buClr>
+                <a:schemeClr val="dk1"/>
+              </a:buClr>
+              <a:buFont typeface="Arial"/>
+              <a:buNone/>
+            </a:pPr>
+            <a:endParaRPr sz="1600">
+              <a:solidFill>
+                <a:schemeClr val="dk1"/>
+              </a:solidFill>
+            </a:endParaRPr>
+          </a:p>
+          <a:p>
+            <a:pPr lvl="0" rtl="0">
+              <a:spcBef>
+                <a:spcPts val="0"/>
+              </a:spcBef>
+              <a:spcAft>
+                <a:spcPts val="0"/>
+              </a:spcAft>
+              <a:buClr>
+                <a:schemeClr val="dk1"/>
+              </a:buClr>
+              <a:buSzPct val="68750"/>
+              <a:buFont typeface="Arial"/>
+              <a:buNone/>
+            </a:pPr>
+            <a:r>
+              <a:rPr lang="en" sz="1600">
+                <a:solidFill>
+                  <a:schemeClr val="dk1"/>
+                </a:solidFill>
+              </a:rPr>
+              <a:t>in the </a:t>
+            </a:r>
+            <a:r>
+              <a:rPr lang="en" sz="1600" i="1">
+                <a:solidFill>
+                  <a:schemeClr val="dk1"/>
+                </a:solidFill>
+              </a:rPr>
+              <a:t>subtract </a:t>
+            </a:r>
+            <a:r>
+              <a:rPr lang="en" sz="1600">
+                <a:solidFill>
+                  <a:schemeClr val="dk1"/>
+                </a:solidFill>
+              </a:rPr>
+              <a:t>method.  This caused any test with a 4 in the result to fail.</a:t>
+            </a:r>
+          </a:p>
+          <a:p>
+            <a:pPr lvl="0" rtl="0">
+              <a:spcBef>
+                <a:spcPts val="0"/>
+              </a:spcBef>
+              <a:spcAft>
+                <a:spcPts val="0"/>
+              </a:spcAft>
+              <a:buClr>
+                <a:schemeClr val="dk1"/>
+              </a:buClr>
+              <a:buFont typeface="Arial"/>
+              <a:buNone/>
+            </a:pPr>
+            <a:endParaRPr sz="1600">
+              <a:solidFill>
+                <a:schemeClr val="dk1"/>
+              </a:solidFill>
+            </a:endParaRPr>
+          </a:p>
+          <a:p>
+            <a:pPr lvl="0" rtl="0">
+              <a:spcBef>
+                <a:spcPts val="0"/>
+              </a:spcBef>
+              <a:spcAft>
+                <a:spcPts val="0"/>
+              </a:spcAft>
+              <a:buClr>
+                <a:schemeClr val="dk1"/>
+              </a:buClr>
+              <a:buSzPct val="68750"/>
+              <a:buFont typeface="Arial"/>
+              <a:buNone/>
+            </a:pPr>
+            <a:r>
+              <a:rPr lang="en" sz="1600">
+                <a:solidFill>
+                  <a:schemeClr val="dk1"/>
+                </a:solidFill>
+              </a:rPr>
+              <a:t>Hence, test 15 failed.</a:t>
+            </a:r>
+          </a:p>
+          <a:p>
+            <a:pPr>
+              <a:spcBef>
+                <a:spcPts val="0"/>
+              </a:spcBef>
+              <a:buNone/>
+            </a:pPr>
+            <a:endParaRPr/>
+          </a:p>
+        </p:txBody>
+      </p:sp>
+    </p:spTree>
+  </p:cSld>
+  <p:clrMapOvr>
+    <a:masterClrMapping/>
+  </p:clrMapOvr>
+  <p:transition xmlns:p14="http://schemas.microsoft.com/office/powerpoint/2010/main" spd="slow">
+    <p:cut/>
+  </p:transition>
+</p:sld>
+</file>
+
+<file path=ppt/slides/slide17.xml><?xml version="1.0" encoding="utf-8"?>
+<p:sld xmlns:a="http://schemas.openxmlformats.org/drawingml/2006/main" xmlns:r="http://schemas.openxmlformats.org/officeDocument/2006/relationships" xmlns:p="http://schemas.openxmlformats.org/presentationml/2006/main">
+  <p:cSld>
+    <p:spTree>
+      <p:nvGrpSpPr>
+        <p:cNvPr id="1" name="Shape 141"/>
+        <p:cNvGrpSpPr/>
+        <p:nvPr/>
+      </p:nvGrpSpPr>
+      <p:grpSpPr>
+        <a:xfrm>
+          <a:off x="0" y="0"/>
+          <a:ext cx="0" cy="0"/>
+          <a:chOff x="0" y="0"/>
+          <a:chExt cx="0" cy="0"/>
+        </a:xfrm>
+      </p:grpSpPr>
+      <p:sp>
+        <p:nvSpPr>
+          <p:cNvPr id="142" name="Shape 142"/>
+          <p:cNvSpPr txBox="1">
+            <a:spLocks noGrp="1"/>
+          </p:cNvSpPr>
+          <p:nvPr>
+            <p:ph type="title"/>
+          </p:nvPr>
+        </p:nvSpPr>
+        <p:spPr>
+          <a:xfrm>
+            <a:off x="387900" y="458025"/>
+            <a:ext cx="8368200" cy="686099"/>
+          </a:xfrm>
+          <a:prstGeom prst="rect">
+            <a:avLst/>
+          </a:prstGeom>
+        </p:spPr>
+        <p:txBody>
+          <a:bodyPr lIns="91425" tIns="91425" rIns="91425" bIns="91425" anchor="b" anchorCtr="0">
+            <a:noAutofit/>
+          </a:bodyPr>
+          <a:lstStyle/>
+          <a:p>
+            <a:pPr>
+              <a:spcBef>
+                <a:spcPts val="0"/>
+              </a:spcBef>
+              <a:buNone/>
+            </a:pPr>
+            <a:r>
+              <a:rPr lang="en"/>
+              <a:t>What We Learned</a:t>
+            </a:r>
+          </a:p>
+        </p:txBody>
+      </p:sp>
+      <p:sp>
+        <p:nvSpPr>
+          <p:cNvPr id="143" name="Shape 143"/>
+          <p:cNvSpPr txBox="1">
+            <a:spLocks noGrp="1"/>
+          </p:cNvSpPr>
+          <p:nvPr>
+            <p:ph type="body" idx="1"/>
+          </p:nvPr>
+        </p:nvSpPr>
+        <p:spPr>
+          <a:xfrm>
+            <a:off x="387900" y="1489824"/>
+            <a:ext cx="8368200" cy="3078899"/>
+          </a:xfrm>
+          <a:prstGeom prst="rect">
+            <a:avLst/>
+          </a:prstGeom>
+        </p:spPr>
+        <p:txBody>
+          <a:bodyPr lIns="91425" tIns="91425" rIns="91425" bIns="91425" anchor="t" anchorCtr="0">
+            <a:noAutofit/>
+          </a:bodyPr>
+          <a:lstStyle/>
+          <a:p>
+            <a:pPr rtl="0">
+              <a:spcBef>
+                <a:spcPts val="0"/>
+              </a:spcBef>
+              <a:buNone/>
+            </a:pPr>
+            <a:r>
+              <a:rPr lang="en" b="1"/>
+              <a:t>Communication</a:t>
+            </a:r>
+            <a:r>
+              <a:rPr lang="en"/>
+              <a:t> is an important part of being in a team. </a:t>
+            </a:r>
+          </a:p>
+          <a:p>
+            <a:pPr rtl="0">
+              <a:spcBef>
+                <a:spcPts val="0"/>
+              </a:spcBef>
+              <a:buNone/>
+            </a:pPr>
+            <a:r>
+              <a:rPr lang="en"/>
+              <a:t>The ability to effectively understand and approach a project as a group starts with an effective understanding of each team member’s skills and weaknesses, as well as the ability to understand what each member needs help with. </a:t>
+            </a:r>
+          </a:p>
+          <a:p>
+            <a:pPr rtl="0">
+              <a:spcBef>
+                <a:spcPts val="0"/>
+              </a:spcBef>
+              <a:buNone/>
+            </a:pPr>
+            <a:r>
+              <a:rPr lang="en" b="1"/>
+              <a:t>Delegation &amp; Division </a:t>
+            </a:r>
+            <a:r>
+              <a:rPr lang="en"/>
+              <a:t>is necessary in for an efficient team</a:t>
+            </a:r>
+          </a:p>
+          <a:p>
+            <a:pPr rtl="0">
+              <a:spcBef>
+                <a:spcPts val="0"/>
+              </a:spcBef>
+              <a:buNone/>
+            </a:pPr>
+            <a:r>
+              <a:rPr lang="en"/>
+              <a:t>Knowing how to distribute the tasks based on the skills possessed by each team member in such a way that work is completed in a timely manner, and that progress can constantly be being made.  </a:t>
+            </a:r>
+          </a:p>
+          <a:p>
+            <a:pPr>
+              <a:spcBef>
+                <a:spcPts val="0"/>
+              </a:spcBef>
+              <a:buNone/>
+            </a:pPr>
+            <a:endParaRPr/>
+          </a:p>
+        </p:txBody>
+      </p:sp>
+    </p:spTree>
+  </p:cSld>
+  <p:clrMapOvr>
+    <a:masterClrMapping/>
+  </p:clrMapOvr>
+  <p:transition xmlns:p14="http://schemas.microsoft.com/office/powerpoint/2010/main" spd="slow">
+    <p:cut/>
+  </p:transition>
+</p:sld>
+</file>
+
+<file path=ppt/slides/slide18.xml><?xml version="1.0" encoding="utf-8"?>
+<p:sld xmlns:a="http://schemas.openxmlformats.org/drawingml/2006/main" xmlns:r="http://schemas.openxmlformats.org/officeDocument/2006/relationships" xmlns:p="http://schemas.openxmlformats.org/presentationml/2006/main">
+  <p:cSld>
+    <p:spTree>
+      <p:nvGrpSpPr>
+        <p:cNvPr id="1" name="Shape 147"/>
+        <p:cNvGrpSpPr/>
+        <p:nvPr/>
+      </p:nvGrpSpPr>
+      <p:grpSpPr>
+        <a:xfrm>
+          <a:off x="0" y="0"/>
+          <a:ext cx="0" cy="0"/>
+          <a:chOff x="0" y="0"/>
+          <a:chExt cx="0" cy="0"/>
+        </a:xfrm>
+      </p:grpSpPr>
+      <p:sp>
+        <p:nvSpPr>
+          <p:cNvPr id="148" name="Shape 148"/>
+          <p:cNvSpPr txBox="1">
+            <a:spLocks noGrp="1"/>
+          </p:cNvSpPr>
+          <p:nvPr>
+            <p:ph type="title"/>
+          </p:nvPr>
+        </p:nvSpPr>
+        <p:spPr>
+          <a:xfrm>
+            <a:off x="387900" y="458025"/>
+            <a:ext cx="8368200" cy="686099"/>
+          </a:xfrm>
+          <a:prstGeom prst="rect">
+            <a:avLst/>
+          </a:prstGeom>
+        </p:spPr>
+        <p:txBody>
+          <a:bodyPr lIns="91425" tIns="91425" rIns="91425" bIns="91425" anchor="b" anchorCtr="0">
+            <a:noAutofit/>
+          </a:bodyPr>
+          <a:lstStyle/>
+          <a:p>
+            <a:pPr>
+              <a:spcBef>
+                <a:spcPts val="0"/>
+              </a:spcBef>
+              <a:buNone/>
+            </a:pPr>
+            <a:r>
+              <a:rPr lang="en"/>
+              <a:t>What We Learned (continued)</a:t>
+            </a:r>
+          </a:p>
+        </p:txBody>
+      </p:sp>
+      <p:sp>
+        <p:nvSpPr>
+          <p:cNvPr id="149" name="Shape 149"/>
+          <p:cNvSpPr txBox="1">
+            <a:spLocks noGrp="1"/>
+          </p:cNvSpPr>
+          <p:nvPr>
+            <p:ph type="body" idx="1"/>
+          </p:nvPr>
+        </p:nvSpPr>
+        <p:spPr>
+          <a:xfrm>
+            <a:off x="387900" y="1489824"/>
+            <a:ext cx="8368200" cy="3078899"/>
+          </a:xfrm>
+          <a:prstGeom prst="rect">
+            <a:avLst/>
+          </a:prstGeom>
+        </p:spPr>
+        <p:txBody>
+          <a:bodyPr lIns="91425" tIns="91425" rIns="91425" bIns="91425" anchor="t" anchorCtr="0">
+            <a:noAutofit/>
+          </a:bodyPr>
+          <a:lstStyle/>
+          <a:p>
+            <a:pPr rtl="0">
+              <a:spcBef>
+                <a:spcPts val="0"/>
+              </a:spcBef>
+              <a:buNone/>
+            </a:pPr>
+            <a:r>
+              <a:rPr lang="en" b="1"/>
+              <a:t>Regular meetings </a:t>
+            </a:r>
+            <a:r>
+              <a:rPr lang="en"/>
+              <a:t>help to focus and better inform team members</a:t>
+            </a:r>
+          </a:p>
+          <a:p>
+            <a:pPr>
+              <a:spcBef>
+                <a:spcPts val="0"/>
+              </a:spcBef>
+              <a:buNone/>
+            </a:pPr>
+            <a:r>
+              <a:rPr lang="en"/>
+              <a:t>A consistent meeting time and place can very positively affect the progress of a team. Even though we might have felt like we had nothing to discuss at times, this was a cornerstone to keeping everyone in the loop at all times. More often than not problems tended to arise when we failed to meet. </a:t>
+            </a:r>
+          </a:p>
+        </p:txBody>
+      </p:sp>
+    </p:spTree>
+  </p:cSld>
+  <p:clrMapOvr>
+    <a:masterClrMapping/>
+  </p:clrMapOvr>
+  <p:transition xmlns:p14="http://schemas.microsoft.com/office/powerpoint/2010/main" spd="slow">
+    <p:cut/>
+  </p:transition>
+</p:sld>
+</file>
+
+<file path=ppt/slides/slide19.xml><?xml version="1.0" encoding="utf-8"?>
+<p:sld xmlns:a="http://schemas.openxmlformats.org/drawingml/2006/main" xmlns:r="http://schemas.openxmlformats.org/officeDocument/2006/relationships" xmlns:p="http://schemas.openxmlformats.org/presentationml/2006/main">
+  <p:cSld>
+    <p:spTree>
+      <p:nvGrpSpPr>
+        <p:cNvPr id="1" name="Shape 153"/>
+        <p:cNvGrpSpPr/>
+        <p:nvPr/>
+      </p:nvGrpSpPr>
+      <p:grpSpPr>
+        <a:xfrm>
+          <a:off x="0" y="0"/>
+          <a:ext cx="0" cy="0"/>
+          <a:chOff x="0" y="0"/>
+          <a:chExt cx="0" cy="0"/>
+        </a:xfrm>
+      </p:grpSpPr>
+      <p:pic>
+        <p:nvPicPr>
+          <p:cNvPr id="154" name="Shape 154"/>
+          <p:cNvPicPr preferRelativeResize="0"/>
+          <p:nvPr/>
+        </p:nvPicPr>
+        <p:blipFill>
+          <a:blip r:embed="rId3">
+            <a:alphaModFix/>
+          </a:blip>
+          <a:stretch>
+            <a:fillRect/>
+          </a:stretch>
+        </p:blipFill>
+        <p:spPr>
+          <a:xfrm>
+            <a:off x="0" y="907539"/>
+            <a:ext cx="9144000" cy="3328421"/>
+          </a:xfrm>
+          <a:prstGeom prst="rect">
+            <a:avLst/>
+          </a:prstGeom>
+          <a:noFill/>
+          <a:ln>
+            <a:noFill/>
+          </a:ln>
+        </p:spPr>
+      </p:pic>
+    </p:spTree>
+  </p:cSld>
+  <p:clrMapOvr>
+    <a:masterClrMapping/>
+  </p:clrMapOvr>
+  <p:transition xmlns:p14="http://schemas.microsoft.com/office/powerpoint/2010/main" spd="slow">
+    <p:cut/>
+  </p:transition>
+</p:sld>
+</file>
+
+<file path=ppt/slides/slide2.xml><?xml version="1.0" encoding="utf-8"?>
+<p:sld xmlns:a="http://schemas.openxmlformats.org/drawingml/2006/main" xmlns:r="http://schemas.openxmlformats.org/officeDocument/2006/relationships" xmlns:p="http://schemas.openxmlformats.org/presentationml/2006/main">
+  <p:cSld>
+    <p:spTree>
+      <p:nvGrpSpPr>
+        <p:cNvPr id="1" name="Shape 68"/>
+        <p:cNvGrpSpPr/>
+        <p:nvPr/>
+      </p:nvGrpSpPr>
+      <p:grpSpPr>
+        <a:xfrm>
+          <a:off x="0" y="0"/>
+          <a:ext cx="0" cy="0"/>
+          <a:chOff x="0" y="0"/>
+          <a:chExt cx="0" cy="0"/>
+        </a:xfrm>
+      </p:grpSpPr>
+      <p:sp>
+        <p:nvSpPr>
+          <p:cNvPr id="69" name="Shape 69"/>
+          <p:cNvSpPr txBox="1">
+            <a:spLocks noGrp="1"/>
+          </p:cNvSpPr>
+          <p:nvPr>
+            <p:ph type="title"/>
+          </p:nvPr>
+        </p:nvSpPr>
+        <p:spPr>
+          <a:xfrm>
+            <a:off x="387900" y="458025"/>
+            <a:ext cx="8368200" cy="686099"/>
+          </a:xfrm>
+          <a:prstGeom prst="rect">
+            <a:avLst/>
+          </a:prstGeom>
+        </p:spPr>
+        <p:txBody>
+          <a:bodyPr lIns="91425" tIns="91425" rIns="91425" bIns="91425" anchor="b" anchorCtr="0">
+            <a:noAutofit/>
+          </a:bodyPr>
+          <a:lstStyle/>
+          <a:p>
+            <a:pPr algn="ctr">
+              <a:spcBef>
+                <a:spcPts val="0"/>
+              </a:spcBef>
+              <a:buNone/>
+            </a:pPr>
+            <a:r>
+              <a:rPr lang="en"/>
+              <a:t>What is OpenMRS?</a:t>
+            </a:r>
+          </a:p>
+        </p:txBody>
+      </p:sp>
+      <p:sp>
+        <p:nvSpPr>
+          <p:cNvPr id="70" name="Shape 70"/>
+          <p:cNvSpPr txBox="1">
+            <a:spLocks noGrp="1"/>
+          </p:cNvSpPr>
+          <p:nvPr>
+            <p:ph type="body" idx="1"/>
+          </p:nvPr>
+        </p:nvSpPr>
+        <p:spPr>
+          <a:xfrm>
+            <a:off x="311700" y="1152475"/>
+            <a:ext cx="8520599" cy="1320899"/>
+          </a:xfrm>
+          <a:prstGeom prst="rect">
+            <a:avLst/>
+          </a:prstGeom>
+        </p:spPr>
+        <p:txBody>
+          <a:bodyPr lIns="91425" tIns="91425" rIns="91425" bIns="91425" anchor="t" anchorCtr="0">
+            <a:noAutofit/>
+          </a:bodyPr>
+          <a:lstStyle/>
+          <a:p>
+            <a:pPr lvl="0" algn="ctr" rtl="0">
+              <a:spcBef>
+                <a:spcPts val="1800"/>
+              </a:spcBef>
+              <a:spcAft>
+                <a:spcPts val="400"/>
+              </a:spcAft>
+              <a:buClr>
+                <a:schemeClr val="dk1"/>
+              </a:buClr>
+              <a:buSzPct val="64705"/>
+              <a:buFont typeface="Arial"/>
+              <a:buNone/>
+            </a:pPr>
+            <a:r>
+              <a:rPr lang="en" sz="1700" b="1">
+                <a:solidFill>
+                  <a:schemeClr val="dk1"/>
+                </a:solidFill>
+              </a:rPr>
+              <a:t>“The global OpenMRS community works together to build the world's leading open source enterprise electronic medical record system platform”</a:t>
+            </a:r>
+          </a:p>
+          <a:p>
+            <a:pPr rtl="0">
+              <a:spcBef>
+                <a:spcPts val="0"/>
+              </a:spcBef>
+              <a:buNone/>
+            </a:pPr>
+            <a:endParaRPr/>
+          </a:p>
+          <a:p>
+            <a:pPr rtl="0">
+              <a:spcBef>
+                <a:spcPts val="0"/>
+              </a:spcBef>
+              <a:buNone/>
+            </a:pPr>
+            <a:r>
+              <a:rPr lang="en"/>
+              <a:t>An Electronic Medical Record is the digital collection of patient health data and covers a patient’s medical history.</a:t>
+            </a:r>
+          </a:p>
+          <a:p>
+            <a:pPr>
+              <a:spcBef>
+                <a:spcPts val="0"/>
+              </a:spcBef>
+              <a:buNone/>
+            </a:pPr>
+            <a:r>
+              <a:rPr lang="en"/>
+              <a:t>OpenMRS is a system which facilitates the creation, update, and retrieval of Electronic Medical Records.</a:t>
+            </a:r>
+          </a:p>
+        </p:txBody>
+      </p:sp>
+    </p:spTree>
+  </p:cSld>
+  <p:clrMapOvr>
+    <a:masterClrMapping/>
+  </p:clrMapOvr>
+  <p:transition xmlns:p14="http://schemas.microsoft.com/office/powerpoint/2010/main" spd="slow">
+    <p:cut/>
+  </p:transition>
+</p:sld>
+</file>
+
+<file path=ppt/slides/slide3.xml><?xml version="1.0" encoding="utf-8"?>
+<p:sld xmlns:a="http://schemas.openxmlformats.org/drawingml/2006/main" xmlns:r="http://schemas.openxmlformats.org/officeDocument/2006/relationships" xmlns:p="http://schemas.openxmlformats.org/presentationml/2006/main">
+  <p:cSld>
+    <p:spTree>
+      <p:nvGrpSpPr>
+        <p:cNvPr id="1" name="Shape 74"/>
+        <p:cNvGrpSpPr/>
+        <p:nvPr/>
+      </p:nvGrpSpPr>
+      <p:grpSpPr>
+        <a:xfrm>
+          <a:off x="0" y="0"/>
+          <a:ext cx="0" cy="0"/>
+          <a:chOff x="0" y="0"/>
+          <a:chExt cx="0" cy="0"/>
+        </a:xfrm>
+      </p:grpSpPr>
+      <p:sp>
+        <p:nvSpPr>
+          <p:cNvPr id="75" name="Shape 75"/>
+          <p:cNvSpPr txBox="1">
+            <a:spLocks noGrp="1"/>
+          </p:cNvSpPr>
+          <p:nvPr>
+            <p:ph type="title"/>
+          </p:nvPr>
+        </p:nvSpPr>
+        <p:spPr>
+          <a:xfrm>
+            <a:off x="387900" y="458025"/>
+            <a:ext cx="8368200" cy="686099"/>
+          </a:xfrm>
+          <a:prstGeom prst="rect">
+            <a:avLst/>
+          </a:prstGeom>
+        </p:spPr>
+        <p:txBody>
+          <a:bodyPr lIns="91425" tIns="91425" rIns="91425" bIns="91425" anchor="b" anchorCtr="0">
+            <a:noAutofit/>
+          </a:bodyPr>
+          <a:lstStyle/>
+          <a:p>
+            <a:pPr>
+              <a:spcBef>
+                <a:spcPts val="0"/>
+              </a:spcBef>
+              <a:buNone/>
+            </a:pPr>
+            <a:r>
+              <a:rPr lang="en"/>
+              <a:t>OpenMRS</a:t>
+            </a:r>
+          </a:p>
+        </p:txBody>
+      </p:sp>
+      <p:sp>
+        <p:nvSpPr>
+          <p:cNvPr id="76" name="Shape 76"/>
+          <p:cNvSpPr txBox="1">
+            <a:spLocks noGrp="1"/>
+          </p:cNvSpPr>
+          <p:nvPr>
+            <p:ph type="body" idx="1"/>
+          </p:nvPr>
+        </p:nvSpPr>
+        <p:spPr>
+          <a:xfrm>
+            <a:off x="387900" y="1489824"/>
+            <a:ext cx="8368200" cy="3078899"/>
+          </a:xfrm>
+          <a:prstGeom prst="rect">
+            <a:avLst/>
+          </a:prstGeom>
+        </p:spPr>
+        <p:txBody>
+          <a:bodyPr lIns="91425" tIns="91425" rIns="91425" bIns="91425" anchor="t" anchorCtr="0">
+            <a:noAutofit/>
+          </a:bodyPr>
+          <a:lstStyle/>
+          <a:p>
+            <a:pPr rtl="0">
+              <a:spcBef>
+                <a:spcPts val="0"/>
+              </a:spcBef>
+              <a:buNone/>
+            </a:pPr>
+            <a:r>
+              <a:rPr lang="en"/>
+              <a:t>OpenMRS began in 2004 in an effort to aid developing nations who found creating digital medical records systems cost-prohibitive to produce and paper records insufficient for their needs.</a:t>
+            </a:r>
+          </a:p>
+          <a:p>
+            <a:pPr rtl="0">
+              <a:spcBef>
+                <a:spcPts val="0"/>
+              </a:spcBef>
+              <a:buNone/>
+            </a:pPr>
+            <a:r>
+              <a:rPr lang="en"/>
+              <a:t>They are led in part by the Partners in Health organization located in Boston, Massachussetts.</a:t>
+            </a:r>
+          </a:p>
+          <a:p>
+            <a:pPr rtl="0">
+              <a:spcBef>
+                <a:spcPts val="0"/>
+              </a:spcBef>
+              <a:buNone/>
+            </a:pPr>
+            <a:r>
+              <a:rPr lang="en"/>
+              <a:t>OpenMRS is in use in many locations around the world, including several countries in Africa, Haiti, China, and the Philippines.</a:t>
+            </a:r>
+          </a:p>
+          <a:p>
+            <a:pPr>
+              <a:spcBef>
+                <a:spcPts val="0"/>
+              </a:spcBef>
+              <a:buNone/>
+            </a:pPr>
+            <a:endParaRPr/>
+          </a:p>
+        </p:txBody>
+      </p:sp>
+    </p:spTree>
+  </p:cSld>
+  <p:clrMapOvr>
+    <a:masterClrMapping/>
+  </p:clrMapOvr>
+  <p:transition xmlns:p14="http://schemas.microsoft.com/office/powerpoint/2010/main" spd="slow">
+    <p:cut/>
+  </p:transition>
+</p:sld>
+</file>
+
+<file path=ppt/slides/slide4.xml><?xml version="1.0" encoding="utf-8"?>
+<p:sld xmlns:a="http://schemas.openxmlformats.org/drawingml/2006/main" xmlns:r="http://schemas.openxmlformats.org/officeDocument/2006/relationships" xmlns:p="http://schemas.openxmlformats.org/presentationml/2006/main">
+  <p:cSld>
+    <p:spTree>
+      <p:nvGrpSpPr>
+        <p:cNvPr id="1" name="Shape 80"/>
+        <p:cNvGrpSpPr/>
+        <p:nvPr/>
+      </p:nvGrpSpPr>
+      <p:grpSpPr>
+        <a:xfrm>
+          <a:off x="0" y="0"/>
+          <a:ext cx="0" cy="0"/>
+          <a:chOff x="0" y="0"/>
+          <a:chExt cx="0" cy="0"/>
+        </a:xfrm>
+      </p:grpSpPr>
+      <p:sp>
+        <p:nvSpPr>
+          <p:cNvPr id="81" name="Shape 81"/>
+          <p:cNvSpPr txBox="1">
+            <a:spLocks noGrp="1"/>
+          </p:cNvSpPr>
+          <p:nvPr>
+            <p:ph type="title"/>
+          </p:nvPr>
+        </p:nvSpPr>
+        <p:spPr>
+          <a:xfrm>
+            <a:off x="387900" y="458025"/>
+            <a:ext cx="8368200" cy="686099"/>
+          </a:xfrm>
+          <a:prstGeom prst="rect">
+            <a:avLst/>
+          </a:prstGeom>
+        </p:spPr>
+        <p:txBody>
+          <a:bodyPr lIns="91425" tIns="91425" rIns="91425" bIns="91425" anchor="b" anchorCtr="0">
+            <a:noAutofit/>
+          </a:bodyPr>
+          <a:lstStyle/>
+          <a:p>
+            <a:pPr>
+              <a:spcBef>
+                <a:spcPts val="0"/>
+              </a:spcBef>
+              <a:buNone/>
+            </a:pPr>
+            <a:r>
+              <a:rPr lang="en"/>
+              <a:t>OpenMRS</a:t>
+            </a:r>
+          </a:p>
+        </p:txBody>
+      </p:sp>
+      <p:sp>
+        <p:nvSpPr>
+          <p:cNvPr id="82" name="Shape 82"/>
+          <p:cNvSpPr txBox="1">
+            <a:spLocks noGrp="1"/>
+          </p:cNvSpPr>
+          <p:nvPr>
+            <p:ph type="body" idx="1"/>
+          </p:nvPr>
+        </p:nvSpPr>
+        <p:spPr>
+          <a:xfrm>
+            <a:off x="387900" y="1196045"/>
+            <a:ext cx="8368200" cy="3078899"/>
+          </a:xfrm>
+          <a:prstGeom prst="rect">
+            <a:avLst/>
+          </a:prstGeom>
+        </p:spPr>
+        <p:txBody>
+          <a:bodyPr lIns="91425" tIns="91425" rIns="91425" bIns="91425" anchor="t" anchorCtr="0">
+            <a:noAutofit/>
+          </a:bodyPr>
+          <a:lstStyle/>
+          <a:p>
+            <a:pPr rtl="0">
+              <a:spcBef>
+                <a:spcPts val="0"/>
+              </a:spcBef>
+              <a:buNone/>
+            </a:pPr>
+            <a:r>
+              <a:rPr lang="en" sz="1600" dirty="0">
+                <a:solidFill>
+                  <a:srgbClr val="FFFBF2"/>
+                </a:solidFill>
+              </a:rPr>
+              <a:t>In their words, “The mission of OpenMRS is to improve healthcare delivery in resource-constrained environments by coordinating a global community that creates a robust, scalable, user-driven, open source medical record system platform.”</a:t>
+            </a:r>
+          </a:p>
+          <a:p>
+            <a:pPr rtl="0">
+              <a:spcBef>
+                <a:spcPts val="0"/>
+              </a:spcBef>
+              <a:buNone/>
+            </a:pPr>
+            <a:r>
+              <a:rPr lang="en" sz="1600" dirty="0">
+                <a:solidFill>
+                  <a:srgbClr val="FFFBF2"/>
+                </a:solidFill>
+              </a:rPr>
+              <a:t>To realize that goal, they base themselves on the following ideals:</a:t>
+            </a:r>
+          </a:p>
+          <a:p>
+            <a:pPr marL="514350" lvl="0" indent="-285750" rtl="0">
+              <a:spcBef>
+                <a:spcPts val="0"/>
+              </a:spcBef>
+              <a:buClr>
+                <a:srgbClr val="FFFBF2"/>
+              </a:buClr>
+              <a:buSzPct val="100000"/>
+              <a:buFont typeface="Arial"/>
+              <a:buChar char="•"/>
+            </a:pPr>
+            <a:r>
+              <a:rPr lang="en" sz="1600" dirty="0">
+                <a:solidFill>
+                  <a:srgbClr val="FFFBF2"/>
+                </a:solidFill>
+              </a:rPr>
+              <a:t>Design decisions are driven by real, not perceived needs</a:t>
+            </a:r>
+          </a:p>
+          <a:p>
+            <a:pPr marL="514350" lvl="0" indent="-285750" rtl="0">
+              <a:spcBef>
+                <a:spcPts val="0"/>
+              </a:spcBef>
+              <a:spcAft>
+                <a:spcPts val="1800"/>
+              </a:spcAft>
+              <a:buClr>
+                <a:srgbClr val="FFFBF2"/>
+              </a:buClr>
+              <a:buSzPct val="100000"/>
+              <a:buFont typeface="Arial"/>
+              <a:buChar char="•"/>
+            </a:pPr>
+            <a:r>
+              <a:rPr lang="en" sz="1600" dirty="0">
+                <a:solidFill>
+                  <a:srgbClr val="FFFBF2"/>
+                </a:solidFill>
+              </a:rPr>
+              <a:t>We believe the best ideas come from people with different backgrounds and talents, and we build a community where these people can come together and innovate.</a:t>
+            </a:r>
+          </a:p>
+          <a:p>
+            <a:pPr marL="514350" lvl="0" indent="-285750" rtl="0">
+              <a:spcBef>
+                <a:spcPts val="0"/>
+              </a:spcBef>
+              <a:spcAft>
+                <a:spcPts val="1800"/>
+              </a:spcAft>
+              <a:buClr>
+                <a:srgbClr val="FFFBF2"/>
+              </a:buClr>
+              <a:buSzPct val="100000"/>
+              <a:buFont typeface="Arial"/>
+              <a:buChar char="•"/>
+            </a:pPr>
+            <a:r>
+              <a:rPr lang="en" sz="1600" dirty="0">
+                <a:solidFill>
+                  <a:srgbClr val="FFFBF2"/>
+                </a:solidFill>
+              </a:rPr>
+              <a:t>We believe in harnessing the wisdom of our software development community by creating a safe place to raise concerns, discuss failures, improve existing ideas, and solve problems.</a:t>
+            </a:r>
+          </a:p>
+          <a:p>
+            <a:pPr lvl="0" rtl="0">
+              <a:spcBef>
+                <a:spcPts val="0"/>
+              </a:spcBef>
+              <a:spcAft>
+                <a:spcPts val="1800"/>
+              </a:spcAft>
+              <a:buNone/>
+            </a:pPr>
+            <a:endParaRPr sz="1200" dirty="0">
+              <a:solidFill>
+                <a:srgbClr val="FFFBF2"/>
+              </a:solidFill>
+            </a:endParaRPr>
+          </a:p>
+          <a:p>
+            <a:pPr>
+              <a:spcBef>
+                <a:spcPts val="0"/>
+              </a:spcBef>
+              <a:buNone/>
+            </a:pPr>
+            <a:endParaRPr sz="1200" dirty="0">
+              <a:solidFill>
+                <a:srgbClr val="FFFBF2"/>
+              </a:solidFill>
+            </a:endParaRPr>
+          </a:p>
+        </p:txBody>
+      </p:sp>
+    </p:spTree>
+  </p:cSld>
+  <p:clrMapOvr>
+    <a:masterClrMapping/>
+  </p:clrMapOvr>
+  <p:transition xmlns:p14="http://schemas.microsoft.com/office/powerpoint/2010/main" spd="slow">
+    <p:cut/>
+  </p:transition>
+</p:sld>
+</file>
+
+<file path=ppt/slides/slide5.xml><?xml version="1.0" encoding="utf-8"?>
+<p:sld xmlns:a="http://schemas.openxmlformats.org/drawingml/2006/main" xmlns:r="http://schemas.openxmlformats.org/officeDocument/2006/relationships" xmlns:p="http://schemas.openxmlformats.org/presentationml/2006/main">
+  <p:cSld>
+    <p:spTree>
+      <p:nvGrpSpPr>
+        <p:cNvPr id="1" name="Shape 86"/>
+        <p:cNvGrpSpPr/>
+        <p:nvPr/>
+      </p:nvGrpSpPr>
+      <p:grpSpPr>
+        <a:xfrm>
+          <a:off x="0" y="0"/>
+          <a:ext cx="0" cy="0"/>
+          <a:chOff x="0" y="0"/>
+          <a:chExt cx="0" cy="0"/>
+        </a:xfrm>
+      </p:grpSpPr>
+      <p:sp>
+        <p:nvSpPr>
+          <p:cNvPr id="87" name="Shape 87"/>
+          <p:cNvSpPr txBox="1">
+            <a:spLocks noGrp="1"/>
+          </p:cNvSpPr>
+          <p:nvPr>
+            <p:ph type="title"/>
+          </p:nvPr>
+        </p:nvSpPr>
+        <p:spPr>
+          <a:xfrm>
+            <a:off x="311700" y="0"/>
+            <a:ext cx="8520599" cy="572699"/>
+          </a:xfrm>
+          <a:prstGeom prst="rect">
+            <a:avLst/>
+          </a:prstGeom>
+        </p:spPr>
+        <p:txBody>
+          <a:bodyPr lIns="91425" tIns="91425" rIns="91425" bIns="91425" anchor="b" anchorCtr="0">
+            <a:noAutofit/>
+          </a:bodyPr>
+          <a:lstStyle/>
+          <a:p>
+            <a:pPr algn="ctr">
+              <a:spcBef>
+                <a:spcPts val="0"/>
+              </a:spcBef>
+              <a:buNone/>
+            </a:pPr>
+            <a:r>
+              <a:rPr lang="en"/>
+              <a:t>What Does OpenMRS Look Like?</a:t>
+            </a:r>
+          </a:p>
+        </p:txBody>
+      </p:sp>
+      <p:pic>
+        <p:nvPicPr>
+          <p:cNvPr id="88" name="Shape 88"/>
+          <p:cNvPicPr preferRelativeResize="0"/>
+          <p:nvPr/>
+        </p:nvPicPr>
+        <p:blipFill>
+          <a:blip r:embed="rId3">
+            <a:alphaModFix/>
+          </a:blip>
+          <a:stretch>
+            <a:fillRect/>
+          </a:stretch>
+        </p:blipFill>
+        <p:spPr>
+          <a:xfrm>
+            <a:off x="1109570" y="572700"/>
+            <a:ext cx="6924853" cy="4284775"/>
+          </a:xfrm>
+          <a:prstGeom prst="rect">
+            <a:avLst/>
+          </a:prstGeom>
+          <a:noFill/>
+          <a:ln>
+            <a:noFill/>
+          </a:ln>
+        </p:spPr>
+      </p:pic>
+    </p:spTree>
+  </p:cSld>
+  <p:clrMapOvr>
+    <a:masterClrMapping/>
+  </p:clrMapOvr>
+  <p:transition xmlns:p14="http://schemas.microsoft.com/office/powerpoint/2010/main" spd="slow">
+    <p:cut/>
+  </p:transition>
+</p:sld>
+</file>
+
+<file path=ppt/slides/slide6.xml><?xml version="1.0" encoding="utf-8"?>
+<p:sld xmlns:a="http://schemas.openxmlformats.org/drawingml/2006/main" xmlns:r="http://schemas.openxmlformats.org/officeDocument/2006/relationships" xmlns:p="http://schemas.openxmlformats.org/presentationml/2006/main">
+  <p:cSld>
+    <p:spTree>
+      <p:nvGrpSpPr>
+        <p:cNvPr id="1" name="Shape 92"/>
+        <p:cNvGrpSpPr/>
+        <p:nvPr/>
+      </p:nvGrpSpPr>
+      <p:grpSpPr>
+        <a:xfrm>
+          <a:off x="0" y="0"/>
+          <a:ext cx="0" cy="0"/>
+          <a:chOff x="0" y="0"/>
+          <a:chExt cx="0" cy="0"/>
+        </a:xfrm>
+      </p:grpSpPr>
+      <p:sp>
+        <p:nvSpPr>
+          <p:cNvPr id="93" name="Shape 93"/>
+          <p:cNvSpPr txBox="1">
+            <a:spLocks noGrp="1"/>
+          </p:cNvSpPr>
+          <p:nvPr>
+            <p:ph type="title"/>
+          </p:nvPr>
+        </p:nvSpPr>
+        <p:spPr>
+          <a:xfrm>
+            <a:off x="387900" y="458025"/>
+            <a:ext cx="8368200" cy="686099"/>
+          </a:xfrm>
+          <a:prstGeom prst="rect">
+            <a:avLst/>
+          </a:prstGeom>
+        </p:spPr>
+        <p:txBody>
+          <a:bodyPr lIns="91425" tIns="91425" rIns="91425" bIns="91425" anchor="b" anchorCtr="0">
+            <a:noAutofit/>
+          </a:bodyPr>
+          <a:lstStyle/>
+          <a:p>
+            <a:pPr>
+              <a:spcBef>
+                <a:spcPts val="0"/>
+              </a:spcBef>
+              <a:buNone/>
+            </a:pPr>
+            <a:r>
+              <a:rPr lang="en"/>
+              <a:t>How does OpenMRS work?</a:t>
+            </a:r>
+          </a:p>
+        </p:txBody>
+      </p:sp>
+      <p:sp>
+        <p:nvSpPr>
+          <p:cNvPr id="94" name="Shape 94"/>
+          <p:cNvSpPr txBox="1">
+            <a:spLocks noGrp="1"/>
+          </p:cNvSpPr>
+          <p:nvPr>
+            <p:ph type="body" idx="1"/>
+          </p:nvPr>
+        </p:nvSpPr>
+        <p:spPr>
+          <a:xfrm>
+            <a:off x="387900" y="1489824"/>
+            <a:ext cx="8368200" cy="3078899"/>
+          </a:xfrm>
+          <a:prstGeom prst="rect">
+            <a:avLst/>
+          </a:prstGeom>
+        </p:spPr>
+        <p:txBody>
+          <a:bodyPr lIns="91425" tIns="91425" rIns="91425" bIns="91425" anchor="t" anchorCtr="0">
+            <a:noAutofit/>
+          </a:bodyPr>
+          <a:lstStyle/>
+          <a:p>
+            <a:pPr marL="457200" indent="0" rtl="0">
+              <a:spcBef>
+                <a:spcPts val="0"/>
+              </a:spcBef>
+              <a:buNone/>
+            </a:pPr>
+            <a:r>
+              <a:rPr lang="en">
+                <a:solidFill>
+                  <a:srgbClr val="FFFBF2"/>
+                </a:solidFill>
+              </a:rPr>
+              <a:t>OpenMRS is in essence an application for streamlining/automating the creation and manipulation of medical records as well as patient management and classification. </a:t>
+            </a:r>
+          </a:p>
+          <a:p>
+            <a:pPr marL="457200" indent="0" rtl="0">
+              <a:spcBef>
+                <a:spcPts val="0"/>
+              </a:spcBef>
+              <a:buNone/>
+            </a:pPr>
+            <a:r>
+              <a:rPr lang="en" b="1">
+                <a:solidFill>
+                  <a:srgbClr val="FFFBF2"/>
+                </a:solidFill>
+              </a:rPr>
+              <a:t>Features:</a:t>
+            </a:r>
+          </a:p>
+          <a:p>
+            <a:pPr marL="914400" lvl="0" indent="-304800" rtl="0">
+              <a:lnSpc>
+                <a:spcPct val="200000"/>
+              </a:lnSpc>
+              <a:spcBef>
+                <a:spcPts val="0"/>
+              </a:spcBef>
+              <a:buClr>
+                <a:srgbClr val="FFFBF2"/>
+              </a:buClr>
+              <a:buSzPct val="100000"/>
+              <a:buChar char="●"/>
+            </a:pPr>
+            <a:r>
+              <a:rPr lang="en" sz="1200" b="1">
+                <a:solidFill>
+                  <a:srgbClr val="FFFBF2"/>
+                </a:solidFill>
+              </a:rPr>
+              <a:t>Central concept dictionary            •    Patient repository                    •    Multiple identifiers/ patient</a:t>
+            </a:r>
+          </a:p>
+          <a:p>
+            <a:pPr marL="914400" lvl="0" indent="-304800" rtl="0">
+              <a:lnSpc>
+                <a:spcPct val="200000"/>
+              </a:lnSpc>
+              <a:spcBef>
+                <a:spcPts val="0"/>
+              </a:spcBef>
+              <a:buClr>
+                <a:srgbClr val="FFFBF2"/>
+              </a:buClr>
+              <a:buSzPct val="100000"/>
+              <a:buChar char="●"/>
+            </a:pPr>
+            <a:r>
+              <a:rPr lang="en" sz="1200" b="1">
+                <a:solidFill>
+                  <a:srgbClr val="FFFBF2"/>
+                </a:solidFill>
+              </a:rPr>
+              <a:t>Modular architecture                      •    Patient workflows                    •    Cohort management</a:t>
+            </a:r>
+          </a:p>
+          <a:p>
+            <a:pPr marL="914400" lvl="0" indent="-304800" rtl="0">
+              <a:lnSpc>
+                <a:spcPct val="200000"/>
+              </a:lnSpc>
+              <a:spcBef>
+                <a:spcPts val="0"/>
+              </a:spcBef>
+              <a:buClr>
+                <a:srgbClr val="FFFBF2"/>
+              </a:buClr>
+              <a:buSzPct val="100000"/>
+              <a:buChar char="●"/>
+            </a:pPr>
+            <a:r>
+              <a:rPr lang="en" sz="1200" b="1">
+                <a:solidFill>
+                  <a:srgbClr val="FFFBF2"/>
+                </a:solidFill>
+              </a:rPr>
+              <a:t>Patient merging                              •    Localization </a:t>
+            </a:r>
+          </a:p>
+        </p:txBody>
+      </p:sp>
+    </p:spTree>
+  </p:cSld>
+  <p:clrMapOvr>
+    <a:masterClrMapping/>
+  </p:clrMapOvr>
+  <p:transition xmlns:p14="http://schemas.microsoft.com/office/powerpoint/2010/main" spd="slow">
+    <p:cut/>
+  </p:transition>
+</p:sld>
+</file>
+
+<file path=ppt/slides/slide7.xml><?xml version="1.0" encoding="utf-8"?>
+<p:sld xmlns:a="http://schemas.openxmlformats.org/drawingml/2006/main" xmlns:r="http://schemas.openxmlformats.org/officeDocument/2006/relationships" xmlns:p="http://schemas.openxmlformats.org/presentationml/2006/main">
+  <p:cSld>
+    <p:spTree>
+      <p:nvGrpSpPr>
+        <p:cNvPr id="1" name="Shape 98"/>
+        <p:cNvGrpSpPr/>
+        <p:nvPr/>
+      </p:nvGrpSpPr>
+      <p:grpSpPr>
+        <a:xfrm>
+          <a:off x="0" y="0"/>
+          <a:ext cx="0" cy="0"/>
+          <a:chOff x="0" y="0"/>
+          <a:chExt cx="0" cy="0"/>
+        </a:xfrm>
+      </p:grpSpPr>
+      <p:sp>
+        <p:nvSpPr>
+          <p:cNvPr id="99" name="Shape 99"/>
+          <p:cNvSpPr txBox="1">
+            <a:spLocks noGrp="1"/>
+          </p:cNvSpPr>
+          <p:nvPr>
+            <p:ph type="title"/>
+          </p:nvPr>
+        </p:nvSpPr>
+        <p:spPr>
+          <a:xfrm>
+            <a:off x="387900" y="458025"/>
+            <a:ext cx="8368200" cy="686099"/>
+          </a:xfrm>
+          <a:prstGeom prst="rect">
+            <a:avLst/>
+          </a:prstGeom>
+        </p:spPr>
+        <p:txBody>
+          <a:bodyPr lIns="91425" tIns="91425" rIns="91425" bIns="91425" anchor="b" anchorCtr="0">
+            <a:noAutofit/>
+          </a:bodyPr>
+          <a:lstStyle/>
+          <a:p>
+            <a:pPr>
+              <a:spcBef>
+                <a:spcPts val="0"/>
+              </a:spcBef>
+              <a:buNone/>
+            </a:pPr>
+            <a:r>
+              <a:rPr lang="en"/>
+              <a:t>Data Model</a:t>
+            </a:r>
+          </a:p>
+        </p:txBody>
+      </p:sp>
+      <p:pic>
+        <p:nvPicPr>
+          <p:cNvPr id="100" name="Shape 100"/>
+          <p:cNvPicPr preferRelativeResize="0"/>
+          <p:nvPr/>
+        </p:nvPicPr>
+        <p:blipFill>
+          <a:blip r:embed="rId3">
+            <a:alphaModFix/>
+          </a:blip>
+          <a:stretch>
+            <a:fillRect/>
+          </a:stretch>
+        </p:blipFill>
+        <p:spPr>
+          <a:xfrm>
+            <a:off x="1570224" y="1089850"/>
+            <a:ext cx="6003545" cy="3786351"/>
+          </a:xfrm>
+          <a:prstGeom prst="rect">
+            <a:avLst/>
+          </a:prstGeom>
+          <a:noFill/>
+          <a:ln>
+            <a:noFill/>
+          </a:ln>
+        </p:spPr>
+      </p:pic>
+    </p:spTree>
+  </p:cSld>
+  <p:clrMapOvr>
+    <a:masterClrMapping/>
+  </p:clrMapOvr>
+  <p:transition xmlns:p14="http://schemas.microsoft.com/office/powerpoint/2010/main" spd="slow">
+    <p:cut/>
+  </p:transition>
+</p:sld>
+</file>
+
+<file path=ppt/slides/slide8.xml><?xml version="1.0" encoding="utf-8"?>
+<p:sld xmlns:a="http://schemas.openxmlformats.org/drawingml/2006/main" xmlns:r="http://schemas.openxmlformats.org/officeDocument/2006/relationships" xmlns:p="http://schemas.openxmlformats.org/presentationml/2006/main">
+  <p:cSld>
+    <p:spTree>
+      <p:nvGrpSpPr>
+        <p:cNvPr id="1" name=""/>
+        <p:cNvGrpSpPr/>
+        <p:nvPr/>
+      </p:nvGrpSpPr>
+      <p:grpSpPr>
+        <a:xfrm>
+          <a:off x="0" y="0"/>
+          <a:ext cx="0" cy="0"/>
+          <a:chOff x="0" y="0"/>
+          <a:chExt cx="0" cy="0"/>
+        </a:xfrm>
+      </p:grpSpPr>
+      <p:sp>
+        <p:nvSpPr>
+          <p:cNvPr id="2" name="Title 1"/>
+          <p:cNvSpPr>
+            <a:spLocks noGrp="1"/>
+          </p:cNvSpPr>
+          <p:nvPr>
+            <p:ph type="title"/>
+          </p:nvPr>
+        </p:nvSpPr>
+        <p:spPr/>
+        <p:txBody>
+          <a:bodyPr/>
+          <a:lstStyle/>
+          <a:p>
+            <a:r>
+              <a:rPr lang="en-US" dirty="0" smtClean="0"/>
+              <a:t>Testing Framework</a:t>
+            </a:r>
+            <a:endParaRPr lang="en-US" dirty="0"/>
+          </a:p>
+        </p:txBody>
+      </p:sp>
+      <p:sp>
+        <p:nvSpPr>
+          <p:cNvPr id="3" name="Text Placeholder 2"/>
+          <p:cNvSpPr>
+            <a:spLocks noGrp="1"/>
+          </p:cNvSpPr>
+          <p:nvPr>
+            <p:ph type="body" idx="1"/>
+          </p:nvPr>
+        </p:nvSpPr>
+        <p:spPr/>
+        <p:txBody>
+          <a:bodyPr/>
+          <a:lstStyle/>
+          <a:p>
+            <a:pPr marL="285750" indent="-285750">
+              <a:buFont typeface="Arial"/>
+              <a:buChar char="•"/>
+            </a:pPr>
+            <a:r>
+              <a:rPr lang="en-US" dirty="0" smtClean="0"/>
+              <a:t>Project</a:t>
+            </a:r>
+          </a:p>
+          <a:p>
+            <a:pPr marL="285750" indent="-285750">
+              <a:buFont typeface="Arial"/>
+              <a:buChar char="•"/>
+            </a:pPr>
+            <a:r>
+              <a:rPr lang="en-US" dirty="0" smtClean="0"/>
+              <a:t>Test Cases</a:t>
+            </a:r>
+          </a:p>
+          <a:p>
+            <a:pPr marL="285750" indent="-285750">
+              <a:buFont typeface="Arial"/>
+              <a:buChar char="•"/>
+            </a:pPr>
+            <a:r>
+              <a:rPr lang="en-US" dirty="0" smtClean="0"/>
+              <a:t>Test Case </a:t>
+            </a:r>
+            <a:r>
+              <a:rPr lang="en-US" dirty="0" err="1" smtClean="0"/>
+              <a:t>Executables</a:t>
+            </a:r>
+            <a:endParaRPr lang="en-US" dirty="0" smtClean="0"/>
+          </a:p>
+          <a:p>
+            <a:pPr marL="285750" indent="-285750">
+              <a:buFont typeface="Arial"/>
+              <a:buChar char="•"/>
+            </a:pPr>
+            <a:r>
+              <a:rPr lang="en-US" dirty="0" smtClean="0"/>
+              <a:t>Scripts</a:t>
+            </a:r>
+          </a:p>
+          <a:p>
+            <a:pPr marL="285750" indent="-285750">
+              <a:buFont typeface="Arial"/>
+              <a:buChar char="•"/>
+            </a:pPr>
+            <a:r>
+              <a:rPr lang="en-US" dirty="0" smtClean="0"/>
+              <a:t>Reports</a:t>
+            </a:r>
+            <a:endParaRPr lang="en-US" dirty="0"/>
+          </a:p>
+        </p:txBody>
+      </p:sp>
+    </p:spTree>
+    <p:extLst>
+      <p:ext uri="{BB962C8B-B14F-4D97-AF65-F5344CB8AC3E}">
+        <p14:creationId xmlns:p14="http://schemas.microsoft.com/office/powerpoint/2010/main" val="1635474937"/>
+      </p:ext>
+    </p:extLst>
+  </p:cSld>
+  <p:clrMapOvr>
+    <a:masterClrMapping/>
+  </p:clrMapOvr>
+</p:sld>
+</file>
+
+<file path=ppt/slides/slide9.xml><?xml version="1.0" encoding="utf-8"?>
+<p:sld xmlns:a="http://schemas.openxmlformats.org/drawingml/2006/main" xmlns:r="http://schemas.openxmlformats.org/officeDocument/2006/relationships" xmlns:p="http://schemas.openxmlformats.org/presentationml/2006/main">
+  <p:cSld>
+    <p:spTree>
+      <p:nvGrpSpPr>
+        <p:cNvPr id="1" name="Shape 104"/>
+        <p:cNvGrpSpPr/>
+        <p:nvPr/>
+      </p:nvGrpSpPr>
+      <p:grpSpPr>
+        <a:xfrm>
+          <a:off x="0" y="0"/>
+          <a:ext cx="0" cy="0"/>
+          <a:chOff x="0" y="0"/>
+          <a:chExt cx="0" cy="0"/>
+        </a:xfrm>
+      </p:grpSpPr>
+      <p:sp>
+        <p:nvSpPr>
+          <p:cNvPr id="105" name="Shape 105"/>
+          <p:cNvSpPr txBox="1">
+            <a:spLocks noGrp="1"/>
+          </p:cNvSpPr>
+          <p:nvPr>
+            <p:ph type="title"/>
+          </p:nvPr>
+        </p:nvSpPr>
+        <p:spPr>
+          <a:xfrm>
+            <a:off x="387900" y="458025"/>
+            <a:ext cx="8368200" cy="686099"/>
+          </a:xfrm>
+          <a:prstGeom prst="rect">
+            <a:avLst/>
+          </a:prstGeom>
+        </p:spPr>
+        <p:txBody>
+          <a:bodyPr lIns="91425" tIns="91425" rIns="91425" bIns="91425" anchor="b" anchorCtr="0">
+            <a:noAutofit/>
+          </a:bodyPr>
+          <a:lstStyle/>
+          <a:p>
+            <a:pPr>
+              <a:spcBef>
+                <a:spcPts val="0"/>
+              </a:spcBef>
+              <a:buNone/>
+            </a:pPr>
+            <a:r>
+              <a:rPr lang="en"/>
+              <a:t>The Cohort Class</a:t>
+            </a:r>
+          </a:p>
+        </p:txBody>
+      </p:sp>
+      <p:sp>
+        <p:nvSpPr>
+          <p:cNvPr id="106" name="Shape 106"/>
+          <p:cNvSpPr txBox="1">
+            <a:spLocks noGrp="1"/>
+          </p:cNvSpPr>
+          <p:nvPr>
+            <p:ph type="body" idx="1"/>
+          </p:nvPr>
+        </p:nvSpPr>
+        <p:spPr>
+          <a:xfrm>
+            <a:off x="387900" y="1489824"/>
+            <a:ext cx="8368200" cy="3078899"/>
+          </a:xfrm>
+          <a:prstGeom prst="rect">
+            <a:avLst/>
+          </a:prstGeom>
+        </p:spPr>
+        <p:txBody>
+          <a:bodyPr lIns="91425" tIns="91425" rIns="91425" bIns="91425" anchor="t" anchorCtr="0">
+            <a:noAutofit/>
+          </a:bodyPr>
+          <a:lstStyle/>
+          <a:p>
+            <a:pPr indent="457200" rtl="0">
+              <a:spcBef>
+                <a:spcPts val="0"/>
+              </a:spcBef>
+              <a:buNone/>
+            </a:pPr>
+            <a:r>
+              <a:rPr lang="en" sz="2400"/>
+              <a:t>A Cohort is a group of patients.</a:t>
+            </a:r>
+          </a:p>
+          <a:p>
+            <a:pPr marL="457200" indent="0">
+              <a:spcBef>
+                <a:spcPts val="0"/>
+              </a:spcBef>
+              <a:buNone/>
+            </a:pPr>
+            <a:r>
+              <a:rPr lang="en" sz="2400"/>
+              <a:t>Our framework extensively tests the methods that manipulate cohorts through set operations, namely the Intersection, Subtraction, and Union functions.  </a:t>
+            </a:r>
+          </a:p>
+        </p:txBody>
+      </p:sp>
+    </p:spTree>
+  </p:cSld>
+  <p:clrMapOvr>
+    <a:masterClrMapping/>
+  </p:clrMapOvr>
+  <p:transition xmlns:p14="http://schemas.microsoft.com/office/powerpoint/2010/main" spd="slow">
+    <p:cut/>
+  </p:transition>
 </p:sld>
 </file>
 
